--- a/SGW Project Update 11Oct17.pptx
+++ b/SGW Project Update 11Oct17.pptx
@@ -117,6 +117,22 @@
       </a:defRPr>
     </a:lvl9pPr>
   </p:defaultTextStyle>
+  <p:extLst>
+    <p:ext uri="{EFAFB233-063F-42B5-8137-9DF3F51BA10A}">
+      <p15:sldGuideLst xmlns:p15="http://schemas.microsoft.com/office/powerpoint/2012/main">
+        <p15:guide id="1" orient="horz" pos="2160">
+          <p15:clr>
+            <a:srgbClr val="A4A3A4"/>
+          </p15:clr>
+        </p15:guide>
+        <p15:guide id="2" pos="2880">
+          <p15:clr>
+            <a:srgbClr val="A4A3A4"/>
+          </p15:clr>
+        </p15:guide>
+      </p15:sldGuideLst>
+    </p:ext>
+  </p:extLst>
 </p:presentation>
 </file>
 
@@ -158,10 +174,9 @@
           <a:lstStyle/>
           <a:p>
             <a:r>
-              <a:rPr lang="en-US" smtClean="0"/>
+              <a:rPr lang="en-US"/>
               <a:t>Click to edit Master title style</a:t>
             </a:r>
-            <a:endParaRPr lang="en-US"/>
           </a:p>
         </p:txBody>
       </p:sp>
@@ -277,10 +292,9 @@
           </a:lstStyle>
           <a:p>
             <a:r>
-              <a:rPr lang="en-US" smtClean="0"/>
+              <a:rPr lang="en-US"/>
               <a:t>Click to edit Master subtitle style</a:t>
             </a:r>
-            <a:endParaRPr lang="en-US"/>
           </a:p>
         </p:txBody>
       </p:sp>
@@ -301,7 +315,7 @@
           <a:p>
             <a:fld id="{14973A1A-3B12-4F13-9E45-4B4F2CF06D13}" type="datetimeFigureOut">
               <a:rPr lang="en-US" smtClean="0"/>
-              <a:t>10/10/2017</a:t>
+              <a:t>10/11/2017</a:t>
             </a:fld>
             <a:endParaRPr lang="en-US" dirty="0"/>
           </a:p>
@@ -436,10 +450,9 @@
           <a:lstStyle/>
           <a:p>
             <a:r>
-              <a:rPr lang="en-US" smtClean="0"/>
+              <a:rPr lang="en-US"/>
               <a:t>Click to edit Master title style</a:t>
             </a:r>
-            <a:endParaRPr lang="en-US"/>
           </a:p>
         </p:txBody>
       </p:sp>
@@ -460,38 +473,37 @@
           <a:p>
             <a:pPr lvl="0"/>
             <a:r>
-              <a:rPr lang="en-US" smtClean="0"/>
+              <a:rPr lang="en-US"/>
               <a:t>Click to edit Master text styles</a:t>
             </a:r>
           </a:p>
           <a:p>
             <a:pPr lvl="1"/>
             <a:r>
-              <a:rPr lang="en-US" smtClean="0"/>
+              <a:rPr lang="en-US"/>
               <a:t>Second level</a:t>
             </a:r>
           </a:p>
           <a:p>
             <a:pPr lvl="2"/>
             <a:r>
-              <a:rPr lang="en-US" smtClean="0"/>
+              <a:rPr lang="en-US"/>
               <a:t>Third level</a:t>
             </a:r>
           </a:p>
           <a:p>
             <a:pPr lvl="3"/>
             <a:r>
-              <a:rPr lang="en-US" smtClean="0"/>
+              <a:rPr lang="en-US"/>
               <a:t>Fourth level</a:t>
             </a:r>
           </a:p>
           <a:p>
             <a:pPr lvl="4"/>
             <a:r>
-              <a:rPr lang="en-US" smtClean="0"/>
+              <a:rPr lang="en-US"/>
               <a:t>Fifth level</a:t>
             </a:r>
-            <a:endParaRPr lang="en-US"/>
           </a:p>
         </p:txBody>
       </p:sp>
@@ -512,7 +524,7 @@
           <a:p>
             <a:fld id="{14973A1A-3B12-4F13-9E45-4B4F2CF06D13}" type="datetimeFigureOut">
               <a:rPr lang="en-US" smtClean="0"/>
-              <a:t>10/10/2017</a:t>
+              <a:t>10/11/2017</a:t>
             </a:fld>
             <a:endParaRPr lang="en-US" dirty="0"/>
           </a:p>
@@ -611,10 +623,9 @@
           <a:lstStyle/>
           <a:p>
             <a:r>
-              <a:rPr lang="en-US" smtClean="0"/>
+              <a:rPr lang="en-US"/>
               <a:t>Click to edit Master title style</a:t>
             </a:r>
-            <a:endParaRPr lang="en-US"/>
           </a:p>
         </p:txBody>
       </p:sp>
@@ -640,38 +651,37 @@
           <a:p>
             <a:pPr lvl="0"/>
             <a:r>
-              <a:rPr lang="en-US" smtClean="0"/>
+              <a:rPr lang="en-US"/>
               <a:t>Click to edit Master text styles</a:t>
             </a:r>
           </a:p>
           <a:p>
             <a:pPr lvl="1"/>
             <a:r>
-              <a:rPr lang="en-US" smtClean="0"/>
+              <a:rPr lang="en-US"/>
               <a:t>Second level</a:t>
             </a:r>
           </a:p>
           <a:p>
             <a:pPr lvl="2"/>
             <a:r>
-              <a:rPr lang="en-US" smtClean="0"/>
+              <a:rPr lang="en-US"/>
               <a:t>Third level</a:t>
             </a:r>
           </a:p>
           <a:p>
             <a:pPr lvl="3"/>
             <a:r>
-              <a:rPr lang="en-US" smtClean="0"/>
+              <a:rPr lang="en-US"/>
               <a:t>Fourth level</a:t>
             </a:r>
           </a:p>
           <a:p>
             <a:pPr lvl="4"/>
             <a:r>
-              <a:rPr lang="en-US" smtClean="0"/>
+              <a:rPr lang="en-US"/>
               <a:t>Fifth level</a:t>
             </a:r>
-            <a:endParaRPr lang="en-US"/>
           </a:p>
         </p:txBody>
       </p:sp>
@@ -692,7 +702,7 @@
           <a:p>
             <a:fld id="{14973A1A-3B12-4F13-9E45-4B4F2CF06D13}" type="datetimeFigureOut">
               <a:rPr lang="en-US" smtClean="0"/>
-              <a:t>10/10/2017</a:t>
+              <a:t>10/11/2017</a:t>
             </a:fld>
             <a:endParaRPr lang="en-US" dirty="0"/>
           </a:p>
@@ -786,10 +796,9 @@
           <a:lstStyle/>
           <a:p>
             <a:r>
-              <a:rPr lang="en-US" smtClean="0"/>
+              <a:rPr lang="en-US"/>
               <a:t>Click to edit Master title style</a:t>
             </a:r>
-            <a:endParaRPr lang="en-US"/>
           </a:p>
         </p:txBody>
       </p:sp>
@@ -810,38 +819,37 @@
           <a:p>
             <a:pPr lvl="0"/>
             <a:r>
-              <a:rPr lang="en-US" smtClean="0"/>
+              <a:rPr lang="en-US"/>
               <a:t>Click to edit Master text styles</a:t>
             </a:r>
           </a:p>
           <a:p>
             <a:pPr lvl="1"/>
             <a:r>
-              <a:rPr lang="en-US" smtClean="0"/>
+              <a:rPr lang="en-US"/>
               <a:t>Second level</a:t>
             </a:r>
           </a:p>
           <a:p>
             <a:pPr lvl="2"/>
             <a:r>
-              <a:rPr lang="en-US" smtClean="0"/>
+              <a:rPr lang="en-US"/>
               <a:t>Third level</a:t>
             </a:r>
           </a:p>
           <a:p>
             <a:pPr lvl="3"/>
             <a:r>
-              <a:rPr lang="en-US" smtClean="0"/>
+              <a:rPr lang="en-US"/>
               <a:t>Fourth level</a:t>
             </a:r>
           </a:p>
           <a:p>
             <a:pPr lvl="4"/>
             <a:r>
-              <a:rPr lang="en-US" smtClean="0"/>
+              <a:rPr lang="en-US"/>
               <a:t>Fifth level</a:t>
             </a:r>
-            <a:endParaRPr lang="en-US"/>
           </a:p>
         </p:txBody>
       </p:sp>
@@ -862,7 +870,7 @@
           <a:p>
             <a:fld id="{14973A1A-3B12-4F13-9E45-4B4F2CF06D13}" type="datetimeFigureOut">
               <a:rPr lang="en-US" smtClean="0"/>
-              <a:t>10/10/2017</a:t>
+              <a:t>10/11/2017</a:t>
             </a:fld>
             <a:endParaRPr lang="en-US" dirty="0"/>
           </a:p>
@@ -1006,10 +1014,9 @@
           </a:lstStyle>
           <a:p>
             <a:r>
-              <a:rPr lang="en-US" smtClean="0"/>
+              <a:rPr lang="en-US"/>
               <a:t>Click to edit Master title style</a:t>
             </a:r>
-            <a:endParaRPr lang="en-US"/>
           </a:p>
         </p:txBody>
       </p:sp>
@@ -1126,7 +1133,7 @@
           <a:p>
             <a:pPr lvl="0"/>
             <a:r>
-              <a:rPr lang="en-US" smtClean="0"/>
+              <a:rPr lang="en-US"/>
               <a:t>Click to edit Master text styles</a:t>
             </a:r>
           </a:p>
@@ -1149,7 +1156,7 @@
           <a:p>
             <a:fld id="{14973A1A-3B12-4F13-9E45-4B4F2CF06D13}" type="datetimeFigureOut">
               <a:rPr lang="en-US" smtClean="0"/>
-              <a:t>10/10/2017</a:t>
+              <a:t>10/11/2017</a:t>
             </a:fld>
             <a:endParaRPr lang="en-US" dirty="0"/>
           </a:p>
@@ -1243,10 +1250,9 @@
           <a:lstStyle/>
           <a:p>
             <a:r>
-              <a:rPr lang="en-US" smtClean="0"/>
+              <a:rPr lang="en-US"/>
               <a:t>Click to edit Master title style</a:t>
             </a:r>
-            <a:endParaRPr lang="en-US"/>
           </a:p>
         </p:txBody>
       </p:sp>
@@ -1300,38 +1306,37 @@
           <a:p>
             <a:pPr lvl="0"/>
             <a:r>
-              <a:rPr lang="en-US" smtClean="0"/>
+              <a:rPr lang="en-US"/>
               <a:t>Click to edit Master text styles</a:t>
             </a:r>
           </a:p>
           <a:p>
             <a:pPr lvl="1"/>
             <a:r>
-              <a:rPr lang="en-US" smtClean="0"/>
+              <a:rPr lang="en-US"/>
               <a:t>Second level</a:t>
             </a:r>
           </a:p>
           <a:p>
             <a:pPr lvl="2"/>
             <a:r>
-              <a:rPr lang="en-US" smtClean="0"/>
+              <a:rPr lang="en-US"/>
               <a:t>Third level</a:t>
             </a:r>
           </a:p>
           <a:p>
             <a:pPr lvl="3"/>
             <a:r>
-              <a:rPr lang="en-US" smtClean="0"/>
+              <a:rPr lang="en-US"/>
               <a:t>Fourth level</a:t>
             </a:r>
           </a:p>
           <a:p>
             <a:pPr lvl="4"/>
             <a:r>
-              <a:rPr lang="en-US" smtClean="0"/>
+              <a:rPr lang="en-US"/>
               <a:t>Fifth level</a:t>
             </a:r>
-            <a:endParaRPr lang="en-US"/>
           </a:p>
         </p:txBody>
       </p:sp>
@@ -1385,38 +1390,37 @@
           <a:p>
             <a:pPr lvl="0"/>
             <a:r>
-              <a:rPr lang="en-US" smtClean="0"/>
+              <a:rPr lang="en-US"/>
               <a:t>Click to edit Master text styles</a:t>
             </a:r>
           </a:p>
           <a:p>
             <a:pPr lvl="1"/>
             <a:r>
-              <a:rPr lang="en-US" smtClean="0"/>
+              <a:rPr lang="en-US"/>
               <a:t>Second level</a:t>
             </a:r>
           </a:p>
           <a:p>
             <a:pPr lvl="2"/>
             <a:r>
-              <a:rPr lang="en-US" smtClean="0"/>
+              <a:rPr lang="en-US"/>
               <a:t>Third level</a:t>
             </a:r>
           </a:p>
           <a:p>
             <a:pPr lvl="3"/>
             <a:r>
-              <a:rPr lang="en-US" smtClean="0"/>
+              <a:rPr lang="en-US"/>
               <a:t>Fourth level</a:t>
             </a:r>
           </a:p>
           <a:p>
             <a:pPr lvl="4"/>
             <a:r>
-              <a:rPr lang="en-US" smtClean="0"/>
+              <a:rPr lang="en-US"/>
               <a:t>Fifth level</a:t>
             </a:r>
-            <a:endParaRPr lang="en-US"/>
           </a:p>
         </p:txBody>
       </p:sp>
@@ -1437,7 +1441,7 @@
           <a:p>
             <a:fld id="{14973A1A-3B12-4F13-9E45-4B4F2CF06D13}" type="datetimeFigureOut">
               <a:rPr lang="en-US" smtClean="0"/>
-              <a:t>10/10/2017</a:t>
+              <a:t>10/11/2017</a:t>
             </a:fld>
             <a:endParaRPr lang="en-US" dirty="0"/>
           </a:p>
@@ -1535,10 +1539,9 @@
           </a:lstStyle>
           <a:p>
             <a:r>
-              <a:rPr lang="en-US" smtClean="0"/>
+              <a:rPr lang="en-US"/>
               <a:t>Click to edit Master title style</a:t>
             </a:r>
-            <a:endParaRPr lang="en-US"/>
           </a:p>
         </p:txBody>
       </p:sp>
@@ -1601,7 +1604,7 @@
           <a:p>
             <a:pPr lvl="0"/>
             <a:r>
-              <a:rPr lang="en-US" smtClean="0"/>
+              <a:rPr lang="en-US"/>
               <a:t>Click to edit Master text styles</a:t>
             </a:r>
           </a:p>
@@ -1657,38 +1660,37 @@
           <a:p>
             <a:pPr lvl="0"/>
             <a:r>
-              <a:rPr lang="en-US" smtClean="0"/>
+              <a:rPr lang="en-US"/>
               <a:t>Click to edit Master text styles</a:t>
             </a:r>
           </a:p>
           <a:p>
             <a:pPr lvl="1"/>
             <a:r>
-              <a:rPr lang="en-US" smtClean="0"/>
+              <a:rPr lang="en-US"/>
               <a:t>Second level</a:t>
             </a:r>
           </a:p>
           <a:p>
             <a:pPr lvl="2"/>
             <a:r>
-              <a:rPr lang="en-US" smtClean="0"/>
+              <a:rPr lang="en-US"/>
               <a:t>Third level</a:t>
             </a:r>
           </a:p>
           <a:p>
             <a:pPr lvl="3"/>
             <a:r>
-              <a:rPr lang="en-US" smtClean="0"/>
+              <a:rPr lang="en-US"/>
               <a:t>Fourth level</a:t>
             </a:r>
           </a:p>
           <a:p>
             <a:pPr lvl="4"/>
             <a:r>
-              <a:rPr lang="en-US" smtClean="0"/>
+              <a:rPr lang="en-US"/>
               <a:t>Fifth level</a:t>
             </a:r>
-            <a:endParaRPr lang="en-US"/>
           </a:p>
         </p:txBody>
       </p:sp>
@@ -1751,7 +1753,7 @@
           <a:p>
             <a:pPr lvl="0"/>
             <a:r>
-              <a:rPr lang="en-US" smtClean="0"/>
+              <a:rPr lang="en-US"/>
               <a:t>Click to edit Master text styles</a:t>
             </a:r>
           </a:p>
@@ -1807,38 +1809,37 @@
           <a:p>
             <a:pPr lvl="0"/>
             <a:r>
-              <a:rPr lang="en-US" smtClean="0"/>
+              <a:rPr lang="en-US"/>
               <a:t>Click to edit Master text styles</a:t>
             </a:r>
           </a:p>
           <a:p>
             <a:pPr lvl="1"/>
             <a:r>
-              <a:rPr lang="en-US" smtClean="0"/>
+              <a:rPr lang="en-US"/>
               <a:t>Second level</a:t>
             </a:r>
           </a:p>
           <a:p>
             <a:pPr lvl="2"/>
             <a:r>
-              <a:rPr lang="en-US" smtClean="0"/>
+              <a:rPr lang="en-US"/>
               <a:t>Third level</a:t>
             </a:r>
           </a:p>
           <a:p>
             <a:pPr lvl="3"/>
             <a:r>
-              <a:rPr lang="en-US" smtClean="0"/>
+              <a:rPr lang="en-US"/>
               <a:t>Fourth level</a:t>
             </a:r>
           </a:p>
           <a:p>
             <a:pPr lvl="4"/>
             <a:r>
-              <a:rPr lang="en-US" smtClean="0"/>
+              <a:rPr lang="en-US"/>
               <a:t>Fifth level</a:t>
             </a:r>
-            <a:endParaRPr lang="en-US"/>
           </a:p>
         </p:txBody>
       </p:sp>
@@ -1859,7 +1860,7 @@
           <a:p>
             <a:fld id="{14973A1A-3B12-4F13-9E45-4B4F2CF06D13}" type="datetimeFigureOut">
               <a:rPr lang="en-US" smtClean="0"/>
-              <a:t>10/10/2017</a:t>
+              <a:t>10/11/2017</a:t>
             </a:fld>
             <a:endParaRPr lang="en-US" dirty="0"/>
           </a:p>
@@ -1953,10 +1954,9 @@
           <a:lstStyle/>
           <a:p>
             <a:r>
-              <a:rPr lang="en-US" smtClean="0"/>
+              <a:rPr lang="en-US"/>
               <a:t>Click to edit Master title style</a:t>
             </a:r>
-            <a:endParaRPr lang="en-US"/>
           </a:p>
         </p:txBody>
       </p:sp>
@@ -1977,7 +1977,7 @@
           <a:p>
             <a:fld id="{14973A1A-3B12-4F13-9E45-4B4F2CF06D13}" type="datetimeFigureOut">
               <a:rPr lang="en-US" smtClean="0"/>
-              <a:t>10/10/2017</a:t>
+              <a:t>10/11/2017</a:t>
             </a:fld>
             <a:endParaRPr lang="en-US" dirty="0"/>
           </a:p>
@@ -2072,7 +2072,7 @@
           <a:p>
             <a:fld id="{14973A1A-3B12-4F13-9E45-4B4F2CF06D13}" type="datetimeFigureOut">
               <a:rPr lang="en-US" smtClean="0"/>
-              <a:t>10/10/2017</a:t>
+              <a:t>10/11/2017</a:t>
             </a:fld>
             <a:endParaRPr lang="en-US" dirty="0"/>
           </a:p>
@@ -2175,10 +2175,9 @@
           </a:lstStyle>
           <a:p>
             <a:r>
-              <a:rPr lang="en-US" smtClean="0"/>
+              <a:rPr lang="en-US"/>
               <a:t>Click to edit Master title style</a:t>
             </a:r>
-            <a:endParaRPr lang="en-US"/>
           </a:p>
         </p:txBody>
       </p:sp>
@@ -2232,38 +2231,37 @@
           <a:p>
             <a:pPr lvl="0"/>
             <a:r>
-              <a:rPr lang="en-US" smtClean="0"/>
+              <a:rPr lang="en-US"/>
               <a:t>Click to edit Master text styles</a:t>
             </a:r>
           </a:p>
           <a:p>
             <a:pPr lvl="1"/>
             <a:r>
-              <a:rPr lang="en-US" smtClean="0"/>
+              <a:rPr lang="en-US"/>
               <a:t>Second level</a:t>
             </a:r>
           </a:p>
           <a:p>
             <a:pPr lvl="2"/>
             <a:r>
-              <a:rPr lang="en-US" smtClean="0"/>
+              <a:rPr lang="en-US"/>
               <a:t>Third level</a:t>
             </a:r>
           </a:p>
           <a:p>
             <a:pPr lvl="3"/>
             <a:r>
-              <a:rPr lang="en-US" smtClean="0"/>
+              <a:rPr lang="en-US"/>
               <a:t>Fourth level</a:t>
             </a:r>
           </a:p>
           <a:p>
             <a:pPr lvl="4"/>
             <a:r>
-              <a:rPr lang="en-US" smtClean="0"/>
+              <a:rPr lang="en-US"/>
               <a:t>Fifth level</a:t>
             </a:r>
-            <a:endParaRPr lang="en-US"/>
           </a:p>
         </p:txBody>
       </p:sp>
@@ -2326,7 +2324,7 @@
           <a:p>
             <a:pPr lvl="0"/>
             <a:r>
-              <a:rPr lang="en-US" smtClean="0"/>
+              <a:rPr lang="en-US"/>
               <a:t>Click to edit Master text styles</a:t>
             </a:r>
           </a:p>
@@ -2349,7 +2347,7 @@
           <a:p>
             <a:fld id="{14973A1A-3B12-4F13-9E45-4B4F2CF06D13}" type="datetimeFigureOut">
               <a:rPr lang="en-US" smtClean="0"/>
-              <a:t>10/10/2017</a:t>
+              <a:t>10/11/2017</a:t>
             </a:fld>
             <a:endParaRPr lang="en-US" dirty="0"/>
           </a:p>
@@ -2452,10 +2450,9 @@
           </a:lstStyle>
           <a:p>
             <a:r>
-              <a:rPr lang="en-US" smtClean="0"/>
+              <a:rPr lang="en-US"/>
               <a:t>Click to edit Master title style</a:t>
             </a:r>
-            <a:endParaRPr lang="en-US"/>
           </a:p>
         </p:txBody>
       </p:sp>
@@ -2579,7 +2576,7 @@
           <a:p>
             <a:pPr lvl="0"/>
             <a:r>
-              <a:rPr lang="en-US" smtClean="0"/>
+              <a:rPr lang="en-US"/>
               <a:t>Click to edit Master text styles</a:t>
             </a:r>
           </a:p>
@@ -2602,7 +2599,7 @@
           <a:p>
             <a:fld id="{14973A1A-3B12-4F13-9E45-4B4F2CF06D13}" type="datetimeFigureOut">
               <a:rPr lang="en-US" smtClean="0"/>
-              <a:t>10/10/2017</a:t>
+              <a:t>10/11/2017</a:t>
             </a:fld>
             <a:endParaRPr lang="en-US" dirty="0"/>
           </a:p>
@@ -2721,10 +2718,9 @@
           <a:lstStyle/>
           <a:p>
             <a:r>
-              <a:rPr lang="en-US" smtClean="0"/>
+              <a:rPr lang="en-US"/>
               <a:t>Click to edit Master title style</a:t>
             </a:r>
-            <a:endParaRPr lang="en-US"/>
           </a:p>
         </p:txBody>
       </p:sp>
@@ -2755,38 +2751,37 @@
           <a:p>
             <a:pPr lvl="0"/>
             <a:r>
-              <a:rPr lang="en-US" smtClean="0"/>
+              <a:rPr lang="en-US"/>
               <a:t>Click to edit Master text styles</a:t>
             </a:r>
           </a:p>
           <a:p>
             <a:pPr lvl="1"/>
             <a:r>
-              <a:rPr lang="en-US" smtClean="0"/>
+              <a:rPr lang="en-US"/>
               <a:t>Second level</a:t>
             </a:r>
           </a:p>
           <a:p>
             <a:pPr lvl="2"/>
             <a:r>
-              <a:rPr lang="en-US" smtClean="0"/>
+              <a:rPr lang="en-US"/>
               <a:t>Third level</a:t>
             </a:r>
           </a:p>
           <a:p>
             <a:pPr lvl="3"/>
             <a:r>
-              <a:rPr lang="en-US" smtClean="0"/>
+              <a:rPr lang="en-US"/>
               <a:t>Fourth level</a:t>
             </a:r>
           </a:p>
           <a:p>
             <a:pPr lvl="4"/>
             <a:r>
-              <a:rPr lang="en-US" smtClean="0"/>
+              <a:rPr lang="en-US"/>
               <a:t>Fifth level</a:t>
             </a:r>
-            <a:endParaRPr lang="en-US"/>
           </a:p>
         </p:txBody>
       </p:sp>
@@ -2825,7 +2820,7 @@
           <a:p>
             <a:fld id="{14973A1A-3B12-4F13-9E45-4B4F2CF06D13}" type="datetimeFigureOut">
               <a:rPr lang="en-US" smtClean="0"/>
-              <a:t>10/10/2017</a:t>
+              <a:t>10/11/2017</a:t>
             </a:fld>
             <a:endParaRPr lang="en-US" dirty="0"/>
           </a:p>
@@ -3424,7 +3419,7 @@
               <a:defRPr/>
             </a:pPr>
             <a:r>
-              <a:rPr kumimoji="0" lang="en-US" sz="2400" b="1" i="0" u="none" strike="noStrike" kern="1200" cap="none" spc="0" normalizeH="0" baseline="0" noProof="0" dirty="0" smtClean="0">
+              <a:rPr kumimoji="0" lang="en-US" sz="2400" b="1" i="0" u="none" strike="noStrike" kern="1200" cap="none" spc="0" normalizeH="0" baseline="0" noProof="0" dirty="0">
                 <a:ln>
                   <a:noFill/>
                 </a:ln>
@@ -3442,7 +3437,7 @@
               <a:t>MIST7590 – MIT Project</a:t>
             </a:r>
             <a:r>
-              <a:rPr kumimoji="0" lang="en-US" sz="2400" b="1" i="0" u="none" strike="noStrike" kern="1200" cap="none" spc="0" normalizeH="0" noProof="0" dirty="0" smtClean="0">
+              <a:rPr kumimoji="0" lang="en-US" sz="2400" b="1" i="0" u="none" strike="noStrike" kern="1200" cap="none" spc="0" normalizeH="0" noProof="0" dirty="0">
                 <a:ln>
                   <a:noFill/>
                 </a:ln>
@@ -3459,7 +3454,7 @@
               </a:rPr>
               <a:t> I</a:t>
             </a:r>
-            <a:endParaRPr kumimoji="0" lang="en-US" sz="2400" b="1" i="0" u="none" strike="noStrike" kern="1200" cap="none" spc="0" normalizeH="0" baseline="0" noProof="0" dirty="0" smtClean="0">
+            <a:endParaRPr kumimoji="0" lang="en-US" sz="2400" b="1" i="0" u="none" strike="noStrike" kern="1200" cap="none" spc="0" normalizeH="0" baseline="0" noProof="0" dirty="0">
               <a:ln>
                 <a:noFill/>
               </a:ln>
@@ -3496,7 +3491,7 @@
               <a:defRPr/>
             </a:pPr>
             <a:r>
-              <a:rPr kumimoji="0" lang="en-US" sz="2400" b="1" i="0" u="none" strike="noStrike" kern="1200" cap="none" spc="0" normalizeH="0" baseline="0" noProof="0" dirty="0" smtClean="0">
+              <a:rPr kumimoji="0" lang="en-US" sz="2400" b="1" i="0" u="none" strike="noStrike" kern="1200" cap="none" spc="0" normalizeH="0" baseline="0" noProof="0" dirty="0">
                 <a:ln>
                   <a:noFill/>
                 </a:ln>
@@ -3535,7 +3530,7 @@
               <a:defRPr/>
             </a:pPr>
             <a:r>
-              <a:rPr lang="en-US" b="1" dirty="0" smtClean="0">
+              <a:rPr lang="en-US" b="1" dirty="0">
                 <a:solidFill>
                   <a:schemeClr val="tx1">
                     <a:lumMod val="75000"/>
@@ -3568,7 +3563,7 @@
               <a:defRPr/>
             </a:pPr>
             <a:r>
-              <a:rPr kumimoji="0" lang="en-US" sz="2400" b="1" i="0" u="none" strike="noStrike" kern="1200" cap="none" spc="0" normalizeH="0" baseline="0" noProof="0" dirty="0" smtClean="0">
+              <a:rPr kumimoji="0" lang="en-US" sz="2400" b="1" i="0" u="none" strike="noStrike" kern="1200" cap="none" spc="0" normalizeH="0" baseline="0" noProof="0" dirty="0">
                 <a:ln>
                   <a:noFill/>
                 </a:ln>
@@ -3607,7 +3602,7 @@
               <a:defRPr/>
             </a:pPr>
             <a:r>
-              <a:rPr kumimoji="0" lang="en-US" sz="2400" b="1" i="0" u="none" strike="noStrike" kern="1200" cap="none" spc="0" normalizeH="0" baseline="0" noProof="0" dirty="0" smtClean="0">
+              <a:rPr kumimoji="0" lang="en-US" sz="2400" b="1" i="0" u="none" strike="noStrike" kern="1200" cap="none" spc="0" normalizeH="0" baseline="0" noProof="0" dirty="0">
                 <a:ln>
                   <a:noFill/>
                 </a:ln>
@@ -3646,7 +3641,7 @@
               <a:defRPr/>
             </a:pPr>
             <a:r>
-              <a:rPr kumimoji="0" lang="en-US" sz="2400" b="1" i="0" u="none" strike="noStrike" kern="1200" cap="none" spc="0" normalizeH="0" baseline="0" noProof="0" dirty="0" smtClean="0">
+              <a:rPr kumimoji="0" lang="en-US" sz="2400" b="1" i="0" u="none" strike="noStrike" kern="1200" cap="none" spc="0" normalizeH="0" baseline="0" noProof="0" dirty="0">
                 <a:ln>
                   <a:noFill/>
                 </a:ln>
@@ -3684,7 +3679,7 @@
               <a:tabLst/>
               <a:defRPr/>
             </a:pPr>
-            <a:endParaRPr kumimoji="0" lang="en-US" sz="2400" b="1" i="0" u="none" strike="noStrike" kern="1200" cap="none" spc="0" normalizeH="0" baseline="0" noProof="0" dirty="0" smtClean="0">
+            <a:endParaRPr kumimoji="0" lang="en-US" sz="2400" b="1" i="0" u="none" strike="noStrike" kern="1200" cap="none" spc="0" normalizeH="0" baseline="0" noProof="0" dirty="0">
               <a:ln>
                 <a:noFill/>
               </a:ln>
@@ -3721,7 +3716,7 @@
               <a:defRPr/>
             </a:pPr>
             <a:r>
-              <a:rPr lang="en-US" b="1" dirty="0" smtClean="0">
+              <a:rPr lang="en-US" b="1" dirty="0">
                 <a:solidFill>
                   <a:schemeClr val="tx1">
                     <a:lumMod val="75000"/>
@@ -3733,7 +3728,7 @@
               <a:t>October 11</a:t>
             </a:r>
             <a:r>
-              <a:rPr kumimoji="0" lang="en-US" sz="2400" b="1" i="0" u="none" strike="noStrike" kern="1200" cap="none" spc="0" normalizeH="0" baseline="0" noProof="0" dirty="0" smtClean="0">
+              <a:rPr kumimoji="0" lang="en-US" sz="2400" b="1" i="0" u="none" strike="noStrike" kern="1200" cap="none" spc="0" normalizeH="0" baseline="0" noProof="0" dirty="0">
                 <a:ln>
                   <a:noFill/>
                 </a:ln>
@@ -3750,21 +3745,6 @@
               </a:rPr>
               <a:t>, 2017</a:t>
             </a:r>
-            <a:endParaRPr kumimoji="0" lang="en-US" sz="2400" b="1" i="0" u="none" strike="noStrike" kern="1200" cap="none" spc="0" normalizeH="0" baseline="0" noProof="0" dirty="0">
-              <a:ln>
-                <a:noFill/>
-              </a:ln>
-              <a:solidFill>
-                <a:schemeClr val="tx1">
-                  <a:lumMod val="75000"/>
-                  <a:lumOff val="25000"/>
-                </a:schemeClr>
-              </a:solidFill>
-              <a:effectLst/>
-              <a:uLnTx/>
-              <a:uFillTx/>
-              <a:latin typeface="Calibri" panose="020F0502020204030204" pitchFamily="34" charset="0"/>
-            </a:endParaRPr>
           </a:p>
         </p:txBody>
       </p:sp>
@@ -3828,7 +3808,7 @@
               <a:defRPr/>
             </a:pPr>
             <a:r>
-              <a:rPr kumimoji="0" lang="en-US" sz="4400" b="1" i="0" u="none" strike="noStrike" kern="1200" cap="none" spc="0" normalizeH="0" baseline="0" noProof="0" dirty="0" smtClean="0">
+              <a:rPr kumimoji="0" lang="en-US" sz="4400" b="1" i="0" u="none" strike="noStrike" kern="1200" cap="none" spc="0" normalizeH="0" baseline="0" noProof="0" dirty="0">
                 <a:ln w="6350">
                   <a:noFill/>
                 </a:ln>
@@ -3843,7 +3823,7 @@
               <a:t>Smithgall Woods</a:t>
             </a:r>
             <a:r>
-              <a:rPr kumimoji="0" lang="en-US" sz="4400" b="1" i="0" u="none" strike="noStrike" kern="1200" cap="none" spc="0" normalizeH="0" noProof="0" dirty="0" smtClean="0">
+              <a:rPr kumimoji="0" lang="en-US" sz="4400" b="1" i="0" u="none" strike="noStrike" kern="1200" cap="none" spc="0" normalizeH="0" noProof="0" dirty="0">
                 <a:ln w="6350">
                   <a:noFill/>
                 </a:ln>
@@ -3858,7 +3838,7 @@
               <a:t> Park</a:t>
             </a:r>
             <a:r>
-              <a:rPr kumimoji="0" lang="en-US" sz="4400" b="1" i="0" u="none" strike="noStrike" kern="1200" cap="none" spc="0" normalizeH="0" baseline="0" noProof="0" dirty="0" smtClean="0">
+              <a:rPr kumimoji="0" lang="en-US" sz="4400" b="1" i="0" u="none" strike="noStrike" kern="1200" cap="none" spc="0" normalizeH="0" baseline="0" noProof="0" dirty="0">
                 <a:ln w="6350">
                   <a:noFill/>
                 </a:ln>
@@ -3892,7 +3872,7 @@
               <a:defRPr/>
             </a:pPr>
             <a:r>
-              <a:rPr lang="en-US" b="1" dirty="0" smtClean="0">
+              <a:rPr lang="en-US" b="1" dirty="0">
                 <a:solidFill>
                   <a:schemeClr val="tx1"/>
                 </a:solidFill>
@@ -3925,13 +3905,6 @@
   <p:clrMapOvr>
     <a:masterClrMapping/>
   </p:clrMapOvr>
-  <p:timing>
-    <p:tnLst>
-      <p:par>
-        <p:cTn id="1" dur="indefinite" restart="never" nodeType="tmRoot"/>
-      </p:par>
-    </p:tnLst>
-  </p:timing>
 </p:sld>
 </file>
 
@@ -3968,10 +3941,9 @@
           <a:lstStyle/>
           <a:p>
             <a:r>
-              <a:rPr lang="en-US" b="1" dirty="0" smtClean="0"/>
+              <a:rPr lang="en-US" b="1" dirty="0"/>
               <a:t>Way Ahead</a:t>
             </a:r>
-            <a:endParaRPr lang="en-US" b="1" dirty="0"/>
           </a:p>
         </p:txBody>
       </p:sp>
@@ -3991,28 +3963,27 @@
           <a:lstStyle/>
           <a:p>
             <a:r>
-              <a:rPr lang="en-US" dirty="0" smtClean="0"/>
+              <a:rPr lang="en-US" dirty="0"/>
               <a:t>Continue working on Project Charter</a:t>
             </a:r>
           </a:p>
           <a:p>
             <a:r>
-              <a:rPr lang="en-US" dirty="0" smtClean="0"/>
+              <a:rPr lang="en-US" dirty="0"/>
               <a:t>Follow up with Mr. Pease to schedule initial project discussion</a:t>
             </a:r>
           </a:p>
           <a:p>
             <a:r>
-              <a:rPr lang="en-US" dirty="0" smtClean="0"/>
+              <a:rPr lang="en-US" dirty="0"/>
               <a:t>Continue building the website prototype</a:t>
             </a:r>
           </a:p>
           <a:p>
             <a:r>
-              <a:rPr lang="en-US" dirty="0" smtClean="0"/>
+              <a:rPr lang="en-US" dirty="0"/>
               <a:t>Refine logical models based on discussion with client</a:t>
             </a:r>
-            <a:endParaRPr lang="en-US" dirty="0"/>
           </a:p>
         </p:txBody>
       </p:sp>
@@ -4026,13 +3997,6 @@
   <p:clrMapOvr>
     <a:masterClrMapping/>
   </p:clrMapOvr>
-  <p:timing>
-    <p:tnLst>
-      <p:par>
-        <p:cTn id="1" dur="indefinite" restart="never" nodeType="tmRoot"/>
-      </p:par>
-    </p:tnLst>
-  </p:timing>
 </p:sld>
 </file>
 
@@ -4071,10 +4035,9 @@
           <a:lstStyle/>
           <a:p>
             <a:r>
-              <a:rPr lang="en-US" sz="5400" b="1" dirty="0" smtClean="0"/>
+              <a:rPr lang="en-US" sz="5400" b="1" dirty="0"/>
               <a:t>Questions</a:t>
             </a:r>
-            <a:endParaRPr lang="en-US" sz="5400" b="1" dirty="0"/>
           </a:p>
         </p:txBody>
       </p:sp>
@@ -4088,13 +4051,6 @@
   <p:clrMapOvr>
     <a:masterClrMapping/>
   </p:clrMapOvr>
-  <p:timing>
-    <p:tnLst>
-      <p:par>
-        <p:cTn id="1" dur="indefinite" restart="never" nodeType="tmRoot"/>
-      </p:par>
-    </p:tnLst>
-  </p:timing>
 </p:sld>
 </file>
 
@@ -4138,10 +4094,9 @@
           <a:lstStyle/>
           <a:p>
             <a:r>
-              <a:rPr lang="en-US" sz="6000" b="1" dirty="0" smtClean="0"/>
+              <a:rPr lang="en-US" sz="6000" b="1" dirty="0"/>
               <a:t>BACKUPS</a:t>
             </a:r>
-            <a:endParaRPr lang="en-US" sz="6000" b="1" dirty="0"/>
           </a:p>
         </p:txBody>
       </p:sp>
@@ -4155,13 +4110,6 @@
   <p:clrMapOvr>
     <a:masterClrMapping/>
   </p:clrMapOvr>
-  <p:timing>
-    <p:tnLst>
-      <p:par>
-        <p:cTn id="1" dur="indefinite" restart="never" nodeType="tmRoot"/>
-      </p:par>
-    </p:tnLst>
-  </p:timing>
 </p:sld>
 </file>
 
@@ -4210,23 +4158,7 @@
                   <a:prstClr val="black"/>
                 </a:solidFill>
               </a:rPr>
-              <a:t>Home Page </a:t>
-            </a:r>
-            <a:r>
-              <a:rPr lang="en-US" sz="3700" b="1" dirty="0" smtClean="0">
-                <a:solidFill>
-                  <a:prstClr val="black"/>
-                </a:solidFill>
-              </a:rPr>
-              <a:t>Mockup </a:t>
-            </a:r>
-            <a:r>
-              <a:rPr lang="en-US" sz="3700" b="1" dirty="0">
-                <a:solidFill>
-                  <a:prstClr val="black"/>
-                </a:solidFill>
-              </a:rPr>
-              <a:t>(Desktop Version)</a:t>
+              <a:t>Home Page Mockup (Desktop Version)</a:t>
             </a:r>
             <a:endParaRPr lang="en-US" sz="3700" b="1" dirty="0"/>
           </a:p>
@@ -4277,7 +4209,7 @@
               <a:defRPr/>
             </a:pPr>
             <a:r>
-              <a:rPr lang="en-US" sz="2800" b="1" u="sng" kern="1200" dirty="0" smtClean="0">
+              <a:rPr lang="en-US" sz="2800" b="1" u="sng" kern="1200" dirty="0">
                 <a:solidFill>
                   <a:prstClr val="black"/>
                 </a:solidFill>
@@ -4338,7 +4270,7 @@
               <a:defRPr/>
             </a:pPr>
             <a:r>
-              <a:rPr lang="en-US" sz="2800" b="1" u="sng" dirty="0" smtClean="0">
+              <a:rPr lang="en-US" sz="2800" b="1" u="sng" dirty="0">
                 <a:solidFill>
                   <a:prstClr val="black"/>
                 </a:solidFill>
@@ -4347,7 +4279,7 @@
               <a:t>Proposed</a:t>
             </a:r>
             <a:r>
-              <a:rPr lang="en-US" sz="2800" b="1" u="sng" kern="1200" dirty="0" smtClean="0">
+              <a:rPr lang="en-US" sz="2800" b="1" u="sng" kern="1200" dirty="0">
                 <a:solidFill>
                   <a:prstClr val="black"/>
                 </a:solidFill>
@@ -4481,13 +4413,6 @@
   <p:clrMapOvr>
     <a:masterClrMapping/>
   </p:clrMapOvr>
-  <p:timing>
-    <p:tnLst>
-      <p:par>
-        <p:cTn id="1" dur="indefinite" restart="never" nodeType="tmRoot"/>
-      </p:par>
-    </p:tnLst>
-  </p:timing>
 </p:sld>
 </file>
 
@@ -4536,23 +4461,7 @@
                   <a:prstClr val="black"/>
                 </a:solidFill>
               </a:rPr>
-              <a:t>Home Page </a:t>
-            </a:r>
-            <a:r>
-              <a:rPr lang="en-US" sz="3600" b="1" dirty="0" smtClean="0">
-                <a:solidFill>
-                  <a:prstClr val="black"/>
-                </a:solidFill>
-              </a:rPr>
-              <a:t>Mockup </a:t>
-            </a:r>
-            <a:r>
-              <a:rPr lang="en-US" sz="3600" b="1" dirty="0">
-                <a:solidFill>
-                  <a:prstClr val="black"/>
-                </a:solidFill>
-              </a:rPr>
-              <a:t>(Mobile Version)</a:t>
+              <a:t>Home Page Mockup (Mobile Version)</a:t>
             </a:r>
             <a:endParaRPr lang="en-US" sz="3600" b="1" dirty="0"/>
           </a:p>
@@ -4622,13 +4531,6 @@
   <p:clrMapOvr>
     <a:masterClrMapping/>
   </p:clrMapOvr>
-  <p:timing>
-    <p:tnLst>
-      <p:par>
-        <p:cTn id="1" dur="indefinite" restart="never" nodeType="tmRoot"/>
-      </p:par>
-    </p:tnLst>
-  </p:timing>
 </p:sld>
 </file>
 
@@ -4665,7 +4567,7 @@
           <a:lstStyle/>
           <a:p>
             <a:r>
-              <a:rPr lang="en-US" b="1" dirty="0" smtClean="0"/>
+              <a:rPr lang="en-US" b="1" dirty="0"/>
               <a:t>Overview</a:t>
             </a:r>
             <a:endParaRPr lang="en-US" dirty="0"/>
@@ -4690,31 +4592,31 @@
           <a:lstStyle/>
           <a:p>
             <a:r>
-              <a:rPr lang="en-US" sz="3600" dirty="0" smtClean="0"/>
+              <a:rPr lang="en-US" sz="3600" dirty="0"/>
               <a:t>Accomplishments to Date</a:t>
             </a:r>
           </a:p>
           <a:p>
             <a:r>
-              <a:rPr lang="en-US" sz="3600" dirty="0" smtClean="0"/>
+              <a:rPr lang="en-US" sz="3600" dirty="0"/>
               <a:t>Use Case Diagrams</a:t>
             </a:r>
           </a:p>
           <a:p>
             <a:r>
-              <a:rPr lang="en-US" sz="3600" dirty="0" smtClean="0"/>
+              <a:rPr lang="en-US" sz="3600" dirty="0"/>
               <a:t>Workflow Diagrams</a:t>
             </a:r>
           </a:p>
           <a:p>
             <a:r>
-              <a:rPr lang="en-US" sz="3600" dirty="0" smtClean="0"/>
+              <a:rPr lang="en-US" sz="3600" dirty="0"/>
               <a:t>Data Models</a:t>
             </a:r>
           </a:p>
           <a:p>
             <a:r>
-              <a:rPr lang="en-US" sz="3600" dirty="0" smtClean="0"/>
+              <a:rPr lang="en-US" sz="3600" dirty="0"/>
               <a:t>Way Ahead</a:t>
             </a:r>
           </a:p>
@@ -4730,13 +4632,6 @@
   <p:clrMapOvr>
     <a:masterClrMapping/>
   </p:clrMapOvr>
-  <p:timing>
-    <p:tnLst>
-      <p:par>
-        <p:cTn id="1" dur="indefinite" restart="never" nodeType="tmRoot"/>
-      </p:par>
-    </p:tnLst>
-  </p:timing>
 </p:sld>
 </file>
 
@@ -4778,10 +4673,9 @@
           <a:lstStyle/>
           <a:p>
             <a:r>
-              <a:rPr lang="en-US" b="1" dirty="0" smtClean="0"/>
+              <a:rPr lang="en-US" b="1" dirty="0"/>
               <a:t>Accomplishments to Date</a:t>
             </a:r>
-            <a:endParaRPr lang="en-US" b="1" dirty="0"/>
           </a:p>
         </p:txBody>
       </p:sp>
@@ -4816,7 +4710,7 @@
               </a:spcAft>
             </a:pPr>
             <a:r>
-              <a:rPr lang="en-US" dirty="0" smtClean="0"/>
+              <a:rPr lang="en-US" dirty="0"/>
               <a:t>Completed Systems Analysis</a:t>
             </a:r>
           </a:p>
@@ -4830,7 +4724,7 @@
               </a:spcAft>
             </a:pPr>
             <a:r>
-              <a:rPr lang="en-US" dirty="0" smtClean="0"/>
+              <a:rPr lang="en-US" dirty="0"/>
               <a:t>Identified malicious injected code &amp; disabled it temporarily</a:t>
             </a:r>
           </a:p>
@@ -4844,7 +4738,7 @@
               </a:spcAft>
             </a:pPr>
             <a:r>
-              <a:rPr lang="en-US" dirty="0" smtClean="0"/>
+              <a:rPr lang="en-US" dirty="0"/>
               <a:t>Gathered initial user requirements &amp; prioritized them from high to low</a:t>
             </a:r>
           </a:p>
@@ -4858,7 +4752,7 @@
               </a:spcAft>
             </a:pPr>
             <a:r>
-              <a:rPr lang="en-US" dirty="0" smtClean="0"/>
+              <a:rPr lang="en-US" dirty="0"/>
               <a:t>Developed prioritized requirements into proposed system requirements</a:t>
             </a:r>
           </a:p>
@@ -4872,7 +4766,7 @@
               </a:spcAft>
             </a:pPr>
             <a:r>
-              <a:rPr lang="en-US" dirty="0" smtClean="0"/>
+              <a:rPr lang="en-US" dirty="0"/>
               <a:t>Created home page mockups for Mobile &amp; PC views</a:t>
             </a:r>
           </a:p>
@@ -4886,7 +4780,7 @@
               </a:spcAft>
             </a:pPr>
             <a:r>
-              <a:rPr lang="en-US" dirty="0" smtClean="0"/>
+              <a:rPr lang="en-US" dirty="0"/>
               <a:t>Built simple prototype of site home page in HTML</a:t>
             </a:r>
           </a:p>
@@ -4900,7 +4794,7 @@
               </a:spcAft>
             </a:pPr>
             <a:r>
-              <a:rPr lang="en-US" dirty="0" smtClean="0"/>
+              <a:rPr lang="en-US" dirty="0"/>
               <a:t>Began developing a Project Charter</a:t>
             </a:r>
           </a:p>
@@ -4914,10 +4808,9 @@
               </a:spcAft>
             </a:pPr>
             <a:r>
-              <a:rPr lang="en-US" dirty="0" smtClean="0"/>
+              <a:rPr lang="en-US" dirty="0"/>
               <a:t>Provided project plan &amp; list of questions to Mr. Pease (client)</a:t>
             </a:r>
-            <a:endParaRPr lang="en-US" dirty="0"/>
           </a:p>
         </p:txBody>
       </p:sp>
@@ -4931,13 +4824,6 @@
   <p:clrMapOvr>
     <a:masterClrMapping/>
   </p:clrMapOvr>
-  <p:timing>
-    <p:tnLst>
-      <p:par>
-        <p:cTn id="1" dur="indefinite" restart="never" nodeType="tmRoot"/>
-      </p:par>
-    </p:tnLst>
-  </p:timing>
 </p:sld>
 </file>
 
@@ -4970,8 +4856,8 @@
         </p:nvSpPr>
         <p:spPr>
           <a:xfrm>
-            <a:off x="4191000" y="304800"/>
-            <a:ext cx="3962400" cy="1143000"/>
+            <a:off x="304800" y="0"/>
+            <a:ext cx="7696200" cy="1143000"/>
           </a:xfrm>
         </p:spPr>
         <p:txBody>
@@ -4981,17 +4867,18 @@
           <a:lstStyle/>
           <a:p>
             <a:r>
-              <a:rPr lang="en-US" sz="3700" b="1" dirty="0" smtClean="0"/>
-              <a:t>Friends Volunteer Use Cases</a:t>
-            </a:r>
-            <a:endParaRPr lang="en-US" sz="3700" b="1" dirty="0"/>
+              <a:rPr lang="en-US" sz="3700" b="1" dirty="0"/>
+              <a:t>Friends/Volunteer Use Cases</a:t>
+            </a:r>
           </a:p>
         </p:txBody>
       </p:sp>
       <p:pic>
         <p:nvPicPr>
-          <p:cNvPr id="4" name="Picture 3"/>
-          <p:cNvPicPr/>
+          <p:cNvPr id="5" name="Picture 4"/>
+          <p:cNvPicPr>
+            <a:picLocks noChangeAspect="1"/>
+          </p:cNvPicPr>
           <p:nvPr/>
         </p:nvPicPr>
         <p:blipFill>
@@ -5008,8 +4895,8 @@
         </p:blipFill>
         <p:spPr>
           <a:xfrm>
-            <a:off x="76200" y="108045"/>
-            <a:ext cx="4267200" cy="6673755"/>
+            <a:off x="304799" y="990600"/>
+            <a:ext cx="4862521" cy="5791200"/>
           </a:xfrm>
           <a:prstGeom prst="rect">
             <a:avLst/>
@@ -5026,13 +4913,6 @@
   <p:clrMapOvr>
     <a:masterClrMapping/>
   </p:clrMapOvr>
-  <p:timing>
-    <p:tnLst>
-      <p:par>
-        <p:cTn id="1" dur="indefinite" restart="never" nodeType="tmRoot"/>
-      </p:par>
-    </p:tnLst>
-  </p:timing>
 </p:sld>
 </file>
 
@@ -5076,7 +4956,7 @@
           <a:lstStyle/>
           <a:p>
             <a:r>
-              <a:rPr lang="en-US" sz="4000" b="1" dirty="0" smtClean="0"/>
+              <a:rPr lang="en-US" sz="4000" b="1" dirty="0"/>
               <a:t>Admin Use Cases</a:t>
             </a:r>
             <a:endParaRPr lang="en-US" sz="4000" dirty="0"/>
@@ -5147,13 +5027,6 @@
   <p:clrMapOvr>
     <a:masterClrMapping/>
   </p:clrMapOvr>
-  <p:timing>
-    <p:tnLst>
-      <p:par>
-        <p:cTn id="1" dur="indefinite" restart="never" nodeType="tmRoot"/>
-      </p:par>
-    </p:tnLst>
-  </p:timing>
 </p:sld>
 </file>
 
@@ -5195,7 +5068,7 @@
           <a:lstStyle/>
           <a:p>
             <a:r>
-              <a:rPr lang="en-US" b="1" dirty="0" smtClean="0"/>
+              <a:rPr lang="en-US" b="1" dirty="0"/>
               <a:t>Friends Volunteer Workflow</a:t>
             </a:r>
             <a:endParaRPr lang="en-US" dirty="0"/>
@@ -5266,13 +5139,6 @@
   <p:clrMapOvr>
     <a:masterClrMapping/>
   </p:clrMapOvr>
-  <p:timing>
-    <p:tnLst>
-      <p:par>
-        <p:cTn id="1" dur="indefinite" restart="never" nodeType="tmRoot"/>
-      </p:par>
-    </p:tnLst>
-  </p:timing>
 </p:sld>
 </file>
 
@@ -5309,7 +5175,7 @@
           <a:lstStyle/>
           <a:p>
             <a:r>
-              <a:rPr lang="en-US" b="1" dirty="0" smtClean="0"/>
+              <a:rPr lang="en-US" b="1" dirty="0"/>
               <a:t>Admin Workflow</a:t>
             </a:r>
             <a:endParaRPr lang="en-US" dirty="0"/>
@@ -5332,14 +5198,9 @@
           <a:lstStyle/>
           <a:p>
             <a:r>
-              <a:rPr lang="en-US" dirty="0" smtClean="0"/>
-              <a:t>Workflow w</a:t>
-            </a:r>
-            <a:r>
-              <a:rPr lang="en-US" dirty="0" smtClean="0"/>
-              <a:t>ill be provided later……</a:t>
-            </a:r>
-            <a:endParaRPr lang="en-US" dirty="0"/>
+              <a:rPr lang="en-US" dirty="0"/>
+              <a:t>Workflow will be provided later……</a:t>
+            </a:r>
           </a:p>
         </p:txBody>
       </p:sp>
@@ -5353,13 +5214,6 @@
   <p:clrMapOvr>
     <a:masterClrMapping/>
   </p:clrMapOvr>
-  <p:timing>
-    <p:tnLst>
-      <p:par>
-        <p:cTn id="1" dur="indefinite" restart="never" nodeType="tmRoot"/>
-      </p:par>
-    </p:tnLst>
-  </p:timing>
 </p:sld>
 </file>
 
@@ -5401,10 +5255,9 @@
           <a:lstStyle/>
           <a:p>
             <a:r>
-              <a:rPr lang="en-US" b="1" dirty="0" smtClean="0"/>
+              <a:rPr lang="en-US" b="1" dirty="0"/>
               <a:t>Existing Data Model</a:t>
             </a:r>
-            <a:endParaRPr lang="en-US" b="1" dirty="0"/>
           </a:p>
         </p:txBody>
       </p:sp>
@@ -5472,13 +5325,6 @@
   <p:clrMapOvr>
     <a:masterClrMapping/>
   </p:clrMapOvr>
-  <p:timing>
-    <p:tnLst>
-      <p:par>
-        <p:cTn id="1" dur="indefinite" restart="never" nodeType="tmRoot"/>
-      </p:par>
-    </p:tnLst>
-  </p:timing>
 </p:sld>
 </file>
 
@@ -5515,7 +5361,7 @@
           <a:lstStyle/>
           <a:p>
             <a:r>
-              <a:rPr lang="en-US" b="1" dirty="0" smtClean="0"/>
+              <a:rPr lang="en-US" b="1" dirty="0"/>
               <a:t>Suggested Data Model</a:t>
             </a:r>
             <a:endParaRPr lang="en-US" dirty="0"/>
@@ -5586,13 +5432,6 @@
   <p:clrMapOvr>
     <a:masterClrMapping/>
   </p:clrMapOvr>
-  <p:timing>
-    <p:tnLst>
-      <p:par>
-        <p:cTn id="1" dur="indefinite" restart="never" nodeType="tmRoot"/>
-      </p:par>
-    </p:tnLst>
-  </p:timing>
 </p:sld>
 </file>
 

--- a/SGW Project Update 11Oct17.pptx
+++ b/SGW Project Update 11Oct17.pptx
@@ -4,6 +4,9 @@
   <p:sldMasterIdLst>
     <p:sldMasterId id="2147483648" r:id="rId1"/>
   </p:sldMasterIdLst>
+  <p:notesMasterIdLst>
+    <p:notesMasterId r:id="rId16"/>
+  </p:notesMasterIdLst>
   <p:sldIdLst>
     <p:sldId id="256" r:id="rId2"/>
     <p:sldId id="257" r:id="rId3"/>
@@ -120,6 +123,908 @@
 </p:presentation>
 </file>
 
+<file path=ppt/notesMasters/notesMaster1.xml><?xml version="1.0" encoding="utf-8"?>
+<p:notesMaster xmlns:a="http://schemas.openxmlformats.org/drawingml/2006/main" xmlns:r="http://schemas.openxmlformats.org/officeDocument/2006/relationships" xmlns:p="http://schemas.openxmlformats.org/presentationml/2006/main">
+  <p:cSld>
+    <p:bg>
+      <p:bgRef idx="1001">
+        <a:schemeClr val="bg1"/>
+      </p:bgRef>
+    </p:bg>
+    <p:spTree>
+      <p:nvGrpSpPr>
+        <p:cNvPr id="1" name=""/>
+        <p:cNvGrpSpPr/>
+        <p:nvPr/>
+      </p:nvGrpSpPr>
+      <p:grpSpPr>
+        <a:xfrm>
+          <a:off x="0" y="0"/>
+          <a:ext cx="0" cy="0"/>
+          <a:chOff x="0" y="0"/>
+          <a:chExt cx="0" cy="0"/>
+        </a:xfrm>
+      </p:grpSpPr>
+      <p:sp>
+        <p:nvSpPr>
+          <p:cNvPr id="2" name="Header Placeholder 1"/>
+          <p:cNvSpPr>
+            <a:spLocks noGrp="1"/>
+          </p:cNvSpPr>
+          <p:nvPr>
+            <p:ph type="hdr" sz="quarter"/>
+          </p:nvPr>
+        </p:nvSpPr>
+        <p:spPr>
+          <a:xfrm>
+            <a:off x="0" y="0"/>
+            <a:ext cx="2971800" cy="457200"/>
+          </a:xfrm>
+          <a:prstGeom prst="rect">
+            <a:avLst/>
+          </a:prstGeom>
+        </p:spPr>
+        <p:txBody>
+          <a:bodyPr vert="horz" lIns="91440" tIns="45720" rIns="91440" bIns="45720" rtlCol="0"/>
+          <a:lstStyle>
+            <a:lvl1pPr algn="l">
+              <a:defRPr sz="1200"/>
+            </a:lvl1pPr>
+          </a:lstStyle>
+          <a:p>
+            <a:endParaRPr lang="en-US" dirty="0"/>
+          </a:p>
+        </p:txBody>
+      </p:sp>
+      <p:sp>
+        <p:nvSpPr>
+          <p:cNvPr id="3" name="Date Placeholder 2"/>
+          <p:cNvSpPr>
+            <a:spLocks noGrp="1"/>
+          </p:cNvSpPr>
+          <p:nvPr>
+            <p:ph type="dt" idx="1"/>
+          </p:nvPr>
+        </p:nvSpPr>
+        <p:spPr>
+          <a:xfrm>
+            <a:off x="3884613" y="0"/>
+            <a:ext cx="2971800" cy="457200"/>
+          </a:xfrm>
+          <a:prstGeom prst="rect">
+            <a:avLst/>
+          </a:prstGeom>
+        </p:spPr>
+        <p:txBody>
+          <a:bodyPr vert="horz" lIns="91440" tIns="45720" rIns="91440" bIns="45720" rtlCol="0"/>
+          <a:lstStyle>
+            <a:lvl1pPr algn="r">
+              <a:defRPr sz="1200"/>
+            </a:lvl1pPr>
+          </a:lstStyle>
+          <a:p>
+            <a:fld id="{F5E77B19-4C30-44B4-BD0B-CE34772B3C65}" type="datetimeFigureOut">
+              <a:rPr lang="en-US" smtClean="0"/>
+              <a:t>10/11/2017</a:t>
+            </a:fld>
+            <a:endParaRPr lang="en-US" dirty="0"/>
+          </a:p>
+        </p:txBody>
+      </p:sp>
+      <p:sp>
+        <p:nvSpPr>
+          <p:cNvPr id="4" name="Slide Image Placeholder 3"/>
+          <p:cNvSpPr>
+            <a:spLocks noGrp="1" noRot="1" noChangeAspect="1"/>
+          </p:cNvSpPr>
+          <p:nvPr>
+            <p:ph type="sldImg" idx="2"/>
+          </p:nvPr>
+        </p:nvSpPr>
+        <p:spPr>
+          <a:xfrm>
+            <a:off x="1143000" y="685800"/>
+            <a:ext cx="4572000" cy="3429000"/>
+          </a:xfrm>
+          <a:prstGeom prst="rect">
+            <a:avLst/>
+          </a:prstGeom>
+          <a:noFill/>
+          <a:ln w="12700">
+            <a:solidFill>
+              <a:prstClr val="black"/>
+            </a:solidFill>
+          </a:ln>
+        </p:spPr>
+        <p:txBody>
+          <a:bodyPr vert="horz" lIns="91440" tIns="45720" rIns="91440" bIns="45720" rtlCol="0" anchor="ctr"/>
+          <a:lstStyle/>
+          <a:p>
+            <a:endParaRPr lang="en-US" dirty="0"/>
+          </a:p>
+        </p:txBody>
+      </p:sp>
+      <p:sp>
+        <p:nvSpPr>
+          <p:cNvPr id="5" name="Notes Placeholder 4"/>
+          <p:cNvSpPr>
+            <a:spLocks noGrp="1"/>
+          </p:cNvSpPr>
+          <p:nvPr>
+            <p:ph type="body" sz="quarter" idx="3"/>
+          </p:nvPr>
+        </p:nvSpPr>
+        <p:spPr>
+          <a:xfrm>
+            <a:off x="685800" y="4343400"/>
+            <a:ext cx="5486400" cy="4114800"/>
+          </a:xfrm>
+          <a:prstGeom prst="rect">
+            <a:avLst/>
+          </a:prstGeom>
+        </p:spPr>
+        <p:txBody>
+          <a:bodyPr vert="horz" lIns="91440" tIns="45720" rIns="91440" bIns="45720" rtlCol="0"/>
+          <a:lstStyle/>
+          <a:p>
+            <a:pPr lvl="0"/>
+            <a:r>
+              <a:rPr lang="en-US" smtClean="0"/>
+              <a:t>Click to edit Master text styles</a:t>
+            </a:r>
+          </a:p>
+          <a:p>
+            <a:pPr lvl="1"/>
+            <a:r>
+              <a:rPr lang="en-US" smtClean="0"/>
+              <a:t>Second level</a:t>
+            </a:r>
+          </a:p>
+          <a:p>
+            <a:pPr lvl="2"/>
+            <a:r>
+              <a:rPr lang="en-US" smtClean="0"/>
+              <a:t>Third level</a:t>
+            </a:r>
+          </a:p>
+          <a:p>
+            <a:pPr lvl="3"/>
+            <a:r>
+              <a:rPr lang="en-US" smtClean="0"/>
+              <a:t>Fourth level</a:t>
+            </a:r>
+          </a:p>
+          <a:p>
+            <a:pPr lvl="4"/>
+            <a:r>
+              <a:rPr lang="en-US" smtClean="0"/>
+              <a:t>Fifth level</a:t>
+            </a:r>
+            <a:endParaRPr lang="en-US"/>
+          </a:p>
+        </p:txBody>
+      </p:sp>
+      <p:sp>
+        <p:nvSpPr>
+          <p:cNvPr id="6" name="Footer Placeholder 5"/>
+          <p:cNvSpPr>
+            <a:spLocks noGrp="1"/>
+          </p:cNvSpPr>
+          <p:nvPr>
+            <p:ph type="ftr" sz="quarter" idx="4"/>
+          </p:nvPr>
+        </p:nvSpPr>
+        <p:spPr>
+          <a:xfrm>
+            <a:off x="0" y="8685213"/>
+            <a:ext cx="2971800" cy="457200"/>
+          </a:xfrm>
+          <a:prstGeom prst="rect">
+            <a:avLst/>
+          </a:prstGeom>
+        </p:spPr>
+        <p:txBody>
+          <a:bodyPr vert="horz" lIns="91440" tIns="45720" rIns="91440" bIns="45720" rtlCol="0" anchor="b"/>
+          <a:lstStyle>
+            <a:lvl1pPr algn="l">
+              <a:defRPr sz="1200"/>
+            </a:lvl1pPr>
+          </a:lstStyle>
+          <a:p>
+            <a:endParaRPr lang="en-US" dirty="0"/>
+          </a:p>
+        </p:txBody>
+      </p:sp>
+      <p:sp>
+        <p:nvSpPr>
+          <p:cNvPr id="7" name="Slide Number Placeholder 6"/>
+          <p:cNvSpPr>
+            <a:spLocks noGrp="1"/>
+          </p:cNvSpPr>
+          <p:nvPr>
+            <p:ph type="sldNum" sz="quarter" idx="5"/>
+          </p:nvPr>
+        </p:nvSpPr>
+        <p:spPr>
+          <a:xfrm>
+            <a:off x="3884613" y="8685213"/>
+            <a:ext cx="2971800" cy="457200"/>
+          </a:xfrm>
+          <a:prstGeom prst="rect">
+            <a:avLst/>
+          </a:prstGeom>
+        </p:spPr>
+        <p:txBody>
+          <a:bodyPr vert="horz" lIns="91440" tIns="45720" rIns="91440" bIns="45720" rtlCol="0" anchor="b"/>
+          <a:lstStyle>
+            <a:lvl1pPr algn="r">
+              <a:defRPr sz="1200"/>
+            </a:lvl1pPr>
+          </a:lstStyle>
+          <a:p>
+            <a:fld id="{EC08C6C5-DD63-4A3D-AD22-7D6D36F6A3FB}" type="slidenum">
+              <a:rPr lang="en-US" smtClean="0"/>
+              <a:t>‹#›</a:t>
+            </a:fld>
+            <a:endParaRPr lang="en-US" dirty="0"/>
+          </a:p>
+        </p:txBody>
+      </p:sp>
+    </p:spTree>
+    <p:extLst>
+      <p:ext uri="{BB962C8B-B14F-4D97-AF65-F5344CB8AC3E}">
+        <p14:creationId xmlns:p14="http://schemas.microsoft.com/office/powerpoint/2010/main" val="617778949"/>
+      </p:ext>
+    </p:extLst>
+  </p:cSld>
+  <p:clrMap bg1="lt1" tx1="dk1" bg2="lt2" tx2="dk2" accent1="accent1" accent2="accent2" accent3="accent3" accent4="accent4" accent5="accent5" accent6="accent6" hlink="hlink" folHlink="folHlink"/>
+  <p:notesStyle>
+    <a:lvl1pPr marL="0" algn="l" defTabSz="914400" rtl="0" eaLnBrk="1" latinLnBrk="0" hangingPunct="1">
+      <a:defRPr sz="1200" kern="1200">
+        <a:solidFill>
+          <a:schemeClr val="tx1"/>
+        </a:solidFill>
+        <a:latin typeface="+mn-lt"/>
+        <a:ea typeface="+mn-ea"/>
+        <a:cs typeface="+mn-cs"/>
+      </a:defRPr>
+    </a:lvl1pPr>
+    <a:lvl2pPr marL="457200" algn="l" defTabSz="914400" rtl="0" eaLnBrk="1" latinLnBrk="0" hangingPunct="1">
+      <a:defRPr sz="1200" kern="1200">
+        <a:solidFill>
+          <a:schemeClr val="tx1"/>
+        </a:solidFill>
+        <a:latin typeface="+mn-lt"/>
+        <a:ea typeface="+mn-ea"/>
+        <a:cs typeface="+mn-cs"/>
+      </a:defRPr>
+    </a:lvl2pPr>
+    <a:lvl3pPr marL="914400" algn="l" defTabSz="914400" rtl="0" eaLnBrk="1" latinLnBrk="0" hangingPunct="1">
+      <a:defRPr sz="1200" kern="1200">
+        <a:solidFill>
+          <a:schemeClr val="tx1"/>
+        </a:solidFill>
+        <a:latin typeface="+mn-lt"/>
+        <a:ea typeface="+mn-ea"/>
+        <a:cs typeface="+mn-cs"/>
+      </a:defRPr>
+    </a:lvl3pPr>
+    <a:lvl4pPr marL="1371600" algn="l" defTabSz="914400" rtl="0" eaLnBrk="1" latinLnBrk="0" hangingPunct="1">
+      <a:defRPr sz="1200" kern="1200">
+        <a:solidFill>
+          <a:schemeClr val="tx1"/>
+        </a:solidFill>
+        <a:latin typeface="+mn-lt"/>
+        <a:ea typeface="+mn-ea"/>
+        <a:cs typeface="+mn-cs"/>
+      </a:defRPr>
+    </a:lvl4pPr>
+    <a:lvl5pPr marL="1828800" algn="l" defTabSz="914400" rtl="0" eaLnBrk="1" latinLnBrk="0" hangingPunct="1">
+      <a:defRPr sz="1200" kern="1200">
+        <a:solidFill>
+          <a:schemeClr val="tx1"/>
+        </a:solidFill>
+        <a:latin typeface="+mn-lt"/>
+        <a:ea typeface="+mn-ea"/>
+        <a:cs typeface="+mn-cs"/>
+      </a:defRPr>
+    </a:lvl5pPr>
+    <a:lvl6pPr marL="2286000" algn="l" defTabSz="914400" rtl="0" eaLnBrk="1" latinLnBrk="0" hangingPunct="1">
+      <a:defRPr sz="1200" kern="1200">
+        <a:solidFill>
+          <a:schemeClr val="tx1"/>
+        </a:solidFill>
+        <a:latin typeface="+mn-lt"/>
+        <a:ea typeface="+mn-ea"/>
+        <a:cs typeface="+mn-cs"/>
+      </a:defRPr>
+    </a:lvl6pPr>
+    <a:lvl7pPr marL="2743200" algn="l" defTabSz="914400" rtl="0" eaLnBrk="1" latinLnBrk="0" hangingPunct="1">
+      <a:defRPr sz="1200" kern="1200">
+        <a:solidFill>
+          <a:schemeClr val="tx1"/>
+        </a:solidFill>
+        <a:latin typeface="+mn-lt"/>
+        <a:ea typeface="+mn-ea"/>
+        <a:cs typeface="+mn-cs"/>
+      </a:defRPr>
+    </a:lvl7pPr>
+    <a:lvl8pPr marL="3200400" algn="l" defTabSz="914400" rtl="0" eaLnBrk="1" latinLnBrk="0" hangingPunct="1">
+      <a:defRPr sz="1200" kern="1200">
+        <a:solidFill>
+          <a:schemeClr val="tx1"/>
+        </a:solidFill>
+        <a:latin typeface="+mn-lt"/>
+        <a:ea typeface="+mn-ea"/>
+        <a:cs typeface="+mn-cs"/>
+      </a:defRPr>
+    </a:lvl8pPr>
+    <a:lvl9pPr marL="3657600" algn="l" defTabSz="914400" rtl="0" eaLnBrk="1" latinLnBrk="0" hangingPunct="1">
+      <a:defRPr sz="1200" kern="1200">
+        <a:solidFill>
+          <a:schemeClr val="tx1"/>
+        </a:solidFill>
+        <a:latin typeface="+mn-lt"/>
+        <a:ea typeface="+mn-ea"/>
+        <a:cs typeface="+mn-cs"/>
+      </a:defRPr>
+    </a:lvl9pPr>
+  </p:notesStyle>
+</p:notesMaster>
+</file>
+
+<file path=ppt/notesSlides/notesSlide1.xml><?xml version="1.0" encoding="utf-8"?>
+<p:notes xmlns:a="http://schemas.openxmlformats.org/drawingml/2006/main" xmlns:r="http://schemas.openxmlformats.org/officeDocument/2006/relationships" xmlns:p="http://schemas.openxmlformats.org/presentationml/2006/main">
+  <p:cSld>
+    <p:spTree>
+      <p:nvGrpSpPr>
+        <p:cNvPr id="1" name=""/>
+        <p:cNvGrpSpPr/>
+        <p:nvPr/>
+      </p:nvGrpSpPr>
+      <p:grpSpPr>
+        <a:xfrm>
+          <a:off x="0" y="0"/>
+          <a:ext cx="0" cy="0"/>
+          <a:chOff x="0" y="0"/>
+          <a:chExt cx="0" cy="0"/>
+        </a:xfrm>
+      </p:grpSpPr>
+      <p:sp>
+        <p:nvSpPr>
+          <p:cNvPr id="2" name="Slide Image Placeholder 1"/>
+          <p:cNvSpPr>
+            <a:spLocks noGrp="1" noRot="1" noChangeAspect="1"/>
+          </p:cNvSpPr>
+          <p:nvPr>
+            <p:ph type="sldImg"/>
+          </p:nvPr>
+        </p:nvSpPr>
+        <p:spPr/>
+      </p:sp>
+      <p:sp>
+        <p:nvSpPr>
+          <p:cNvPr id="3" name="Notes Placeholder 2"/>
+          <p:cNvSpPr>
+            <a:spLocks noGrp="1"/>
+          </p:cNvSpPr>
+          <p:nvPr>
+            <p:ph type="body" idx="1"/>
+          </p:nvPr>
+        </p:nvSpPr>
+        <p:spPr/>
+        <p:txBody>
+          <a:bodyPr/>
+          <a:lstStyle/>
+          <a:p>
+            <a:r>
+              <a:rPr lang="en-US" dirty="0" smtClean="0"/>
+              <a:t>The person who performs volunteer work for Smithgall</a:t>
+            </a:r>
+            <a:r>
+              <a:rPr lang="en-US" baseline="0" dirty="0" smtClean="0"/>
+              <a:t> Woods (SGW) is a Friends Chapter member.  All other volunteers that are NOT Friends Chapter members are tracked through the Georgia State Park website.</a:t>
+            </a:r>
+            <a:endParaRPr lang="en-US" dirty="0"/>
+          </a:p>
+        </p:txBody>
+      </p:sp>
+      <p:sp>
+        <p:nvSpPr>
+          <p:cNvPr id="4" name="Slide Number Placeholder 3"/>
+          <p:cNvSpPr>
+            <a:spLocks noGrp="1"/>
+          </p:cNvSpPr>
+          <p:nvPr>
+            <p:ph type="sldNum" sz="quarter" idx="10"/>
+          </p:nvPr>
+        </p:nvSpPr>
+        <p:spPr/>
+        <p:txBody>
+          <a:bodyPr/>
+          <a:lstStyle/>
+          <a:p>
+            <a:fld id="{EC08C6C5-DD63-4A3D-AD22-7D6D36F6A3FB}" type="slidenum">
+              <a:rPr lang="en-US" smtClean="0"/>
+              <a:t>4</a:t>
+            </a:fld>
+            <a:endParaRPr lang="en-US" dirty="0"/>
+          </a:p>
+        </p:txBody>
+      </p:sp>
+    </p:spTree>
+    <p:extLst>
+      <p:ext uri="{BB962C8B-B14F-4D97-AF65-F5344CB8AC3E}">
+        <p14:creationId xmlns:p14="http://schemas.microsoft.com/office/powerpoint/2010/main" val="2710567778"/>
+      </p:ext>
+    </p:extLst>
+  </p:cSld>
+  <p:clrMapOvr>
+    <a:masterClrMapping/>
+  </p:clrMapOvr>
+</p:notes>
+</file>
+
+<file path=ppt/notesSlides/notesSlide2.xml><?xml version="1.0" encoding="utf-8"?>
+<p:notes xmlns:a="http://schemas.openxmlformats.org/drawingml/2006/main" xmlns:r="http://schemas.openxmlformats.org/officeDocument/2006/relationships" xmlns:p="http://schemas.openxmlformats.org/presentationml/2006/main">
+  <p:cSld>
+    <p:spTree>
+      <p:nvGrpSpPr>
+        <p:cNvPr id="1" name=""/>
+        <p:cNvGrpSpPr/>
+        <p:nvPr/>
+      </p:nvGrpSpPr>
+      <p:grpSpPr>
+        <a:xfrm>
+          <a:off x="0" y="0"/>
+          <a:ext cx="0" cy="0"/>
+          <a:chOff x="0" y="0"/>
+          <a:chExt cx="0" cy="0"/>
+        </a:xfrm>
+      </p:grpSpPr>
+      <p:sp>
+        <p:nvSpPr>
+          <p:cNvPr id="2" name="Slide Image Placeholder 1"/>
+          <p:cNvSpPr>
+            <a:spLocks noGrp="1" noRot="1" noChangeAspect="1"/>
+          </p:cNvSpPr>
+          <p:nvPr>
+            <p:ph type="sldImg"/>
+          </p:nvPr>
+        </p:nvSpPr>
+        <p:spPr/>
+      </p:sp>
+      <p:sp>
+        <p:nvSpPr>
+          <p:cNvPr id="3" name="Notes Placeholder 2"/>
+          <p:cNvSpPr>
+            <a:spLocks noGrp="1"/>
+          </p:cNvSpPr>
+          <p:nvPr>
+            <p:ph type="body" idx="1"/>
+          </p:nvPr>
+        </p:nvSpPr>
+        <p:spPr/>
+        <p:txBody>
+          <a:bodyPr/>
+          <a:lstStyle/>
+          <a:p>
+            <a:r>
+              <a:rPr lang="en-US" dirty="0" smtClean="0"/>
+              <a:t>The last bubble “Placeholder for Volunteer Use Cases” is only used in this diagram to indicate some</a:t>
+            </a:r>
+            <a:r>
+              <a:rPr lang="en-US" baseline="0" dirty="0" smtClean="0"/>
+              <a:t> use cases from the Volunteer actor.</a:t>
+            </a:r>
+            <a:endParaRPr lang="en-US" dirty="0"/>
+          </a:p>
+        </p:txBody>
+      </p:sp>
+      <p:sp>
+        <p:nvSpPr>
+          <p:cNvPr id="4" name="Slide Number Placeholder 3"/>
+          <p:cNvSpPr>
+            <a:spLocks noGrp="1"/>
+          </p:cNvSpPr>
+          <p:nvPr>
+            <p:ph type="sldNum" sz="quarter" idx="10"/>
+          </p:nvPr>
+        </p:nvSpPr>
+        <p:spPr/>
+        <p:txBody>
+          <a:bodyPr/>
+          <a:lstStyle/>
+          <a:p>
+            <a:fld id="{EC08C6C5-DD63-4A3D-AD22-7D6D36F6A3FB}" type="slidenum">
+              <a:rPr lang="en-US" smtClean="0"/>
+              <a:t>5</a:t>
+            </a:fld>
+            <a:endParaRPr lang="en-US" dirty="0"/>
+          </a:p>
+        </p:txBody>
+      </p:sp>
+    </p:spTree>
+    <p:extLst>
+      <p:ext uri="{BB962C8B-B14F-4D97-AF65-F5344CB8AC3E}">
+        <p14:creationId xmlns:p14="http://schemas.microsoft.com/office/powerpoint/2010/main" val="1795511281"/>
+      </p:ext>
+    </p:extLst>
+  </p:cSld>
+  <p:clrMapOvr>
+    <a:masterClrMapping/>
+  </p:clrMapOvr>
+</p:notes>
+</file>
+
+<file path=ppt/notesSlides/notesSlide3.xml><?xml version="1.0" encoding="utf-8"?>
+<p:notes xmlns:a="http://schemas.openxmlformats.org/drawingml/2006/main" xmlns:r="http://schemas.openxmlformats.org/officeDocument/2006/relationships" xmlns:p="http://schemas.openxmlformats.org/presentationml/2006/main">
+  <p:cSld>
+    <p:spTree>
+      <p:nvGrpSpPr>
+        <p:cNvPr id="1" name=""/>
+        <p:cNvGrpSpPr/>
+        <p:nvPr/>
+      </p:nvGrpSpPr>
+      <p:grpSpPr>
+        <a:xfrm>
+          <a:off x="0" y="0"/>
+          <a:ext cx="0" cy="0"/>
+          <a:chOff x="0" y="0"/>
+          <a:chExt cx="0" cy="0"/>
+        </a:xfrm>
+      </p:grpSpPr>
+      <p:sp>
+        <p:nvSpPr>
+          <p:cNvPr id="2" name="Slide Image Placeholder 1"/>
+          <p:cNvSpPr>
+            <a:spLocks noGrp="1" noRot="1" noChangeAspect="1"/>
+          </p:cNvSpPr>
+          <p:nvPr>
+            <p:ph type="sldImg"/>
+          </p:nvPr>
+        </p:nvSpPr>
+        <p:spPr/>
+      </p:sp>
+      <p:sp>
+        <p:nvSpPr>
+          <p:cNvPr id="3" name="Notes Placeholder 2"/>
+          <p:cNvSpPr>
+            <a:spLocks noGrp="1"/>
+          </p:cNvSpPr>
+          <p:nvPr>
+            <p:ph type="body" idx="1"/>
+          </p:nvPr>
+        </p:nvSpPr>
+        <p:spPr/>
+        <p:txBody>
+          <a:bodyPr/>
+          <a:lstStyle/>
+          <a:p>
+            <a:r>
+              <a:rPr lang="en-US" dirty="0" smtClean="0"/>
+              <a:t>This Friends</a:t>
+            </a:r>
+            <a:r>
+              <a:rPr lang="en-US" baseline="0" dirty="0" smtClean="0"/>
+              <a:t> Volunteer workflow describes the existing Friends Volunteer Log process.</a:t>
+            </a:r>
+            <a:endParaRPr lang="en-US" dirty="0"/>
+          </a:p>
+        </p:txBody>
+      </p:sp>
+      <p:sp>
+        <p:nvSpPr>
+          <p:cNvPr id="4" name="Slide Number Placeholder 3"/>
+          <p:cNvSpPr>
+            <a:spLocks noGrp="1"/>
+          </p:cNvSpPr>
+          <p:nvPr>
+            <p:ph type="sldNum" sz="quarter" idx="10"/>
+          </p:nvPr>
+        </p:nvSpPr>
+        <p:spPr/>
+        <p:txBody>
+          <a:bodyPr/>
+          <a:lstStyle/>
+          <a:p>
+            <a:fld id="{EC08C6C5-DD63-4A3D-AD22-7D6D36F6A3FB}" type="slidenum">
+              <a:rPr lang="en-US" smtClean="0"/>
+              <a:t>6</a:t>
+            </a:fld>
+            <a:endParaRPr lang="en-US" dirty="0"/>
+          </a:p>
+        </p:txBody>
+      </p:sp>
+    </p:spTree>
+    <p:extLst>
+      <p:ext uri="{BB962C8B-B14F-4D97-AF65-F5344CB8AC3E}">
+        <p14:creationId xmlns:p14="http://schemas.microsoft.com/office/powerpoint/2010/main" val="3786742526"/>
+      </p:ext>
+    </p:extLst>
+  </p:cSld>
+  <p:clrMapOvr>
+    <a:masterClrMapping/>
+  </p:clrMapOvr>
+</p:notes>
+</file>
+
+<file path=ppt/notesSlides/notesSlide4.xml><?xml version="1.0" encoding="utf-8"?>
+<p:notes xmlns:a="http://schemas.openxmlformats.org/drawingml/2006/main" xmlns:r="http://schemas.openxmlformats.org/officeDocument/2006/relationships" xmlns:p="http://schemas.openxmlformats.org/presentationml/2006/main">
+  <p:cSld>
+    <p:spTree>
+      <p:nvGrpSpPr>
+        <p:cNvPr id="1" name=""/>
+        <p:cNvGrpSpPr/>
+        <p:nvPr/>
+      </p:nvGrpSpPr>
+      <p:grpSpPr>
+        <a:xfrm>
+          <a:off x="0" y="0"/>
+          <a:ext cx="0" cy="0"/>
+          <a:chOff x="0" y="0"/>
+          <a:chExt cx="0" cy="0"/>
+        </a:xfrm>
+      </p:grpSpPr>
+      <p:sp>
+        <p:nvSpPr>
+          <p:cNvPr id="2" name="Slide Image Placeholder 1"/>
+          <p:cNvSpPr>
+            <a:spLocks noGrp="1" noRot="1" noChangeAspect="1"/>
+          </p:cNvSpPr>
+          <p:nvPr>
+            <p:ph type="sldImg"/>
+          </p:nvPr>
+        </p:nvSpPr>
+        <p:spPr/>
+      </p:sp>
+      <p:sp>
+        <p:nvSpPr>
+          <p:cNvPr id="3" name="Notes Placeholder 2"/>
+          <p:cNvSpPr>
+            <a:spLocks noGrp="1"/>
+          </p:cNvSpPr>
+          <p:nvPr>
+            <p:ph type="body" idx="1"/>
+          </p:nvPr>
+        </p:nvSpPr>
+        <p:spPr/>
+        <p:txBody>
+          <a:bodyPr/>
+          <a:lstStyle/>
+          <a:p>
+            <a:r>
+              <a:rPr lang="en-US" dirty="0" smtClean="0"/>
+              <a:t>This Admin Workflow</a:t>
+            </a:r>
+            <a:r>
+              <a:rPr lang="en-US" baseline="0" dirty="0" smtClean="0"/>
+              <a:t> is based on the proposed user/system requirements.  A separate login page for Admin will be developed, and an Admin/Password pair will be set up initially in the MySQL “admin_login” table.  Then, the Admin must log in first to create user accounts with admin privileges.</a:t>
+            </a:r>
+            <a:endParaRPr lang="en-US" dirty="0"/>
+          </a:p>
+        </p:txBody>
+      </p:sp>
+      <p:sp>
+        <p:nvSpPr>
+          <p:cNvPr id="4" name="Slide Number Placeholder 3"/>
+          <p:cNvSpPr>
+            <a:spLocks noGrp="1"/>
+          </p:cNvSpPr>
+          <p:nvPr>
+            <p:ph type="sldNum" sz="quarter" idx="10"/>
+          </p:nvPr>
+        </p:nvSpPr>
+        <p:spPr/>
+        <p:txBody>
+          <a:bodyPr/>
+          <a:lstStyle/>
+          <a:p>
+            <a:fld id="{EC08C6C5-DD63-4A3D-AD22-7D6D36F6A3FB}" type="slidenum">
+              <a:rPr lang="en-US" smtClean="0"/>
+              <a:t>7</a:t>
+            </a:fld>
+            <a:endParaRPr lang="en-US" dirty="0"/>
+          </a:p>
+        </p:txBody>
+      </p:sp>
+    </p:spTree>
+    <p:extLst>
+      <p:ext uri="{BB962C8B-B14F-4D97-AF65-F5344CB8AC3E}">
+        <p14:creationId xmlns:p14="http://schemas.microsoft.com/office/powerpoint/2010/main" val="409166506"/>
+      </p:ext>
+    </p:extLst>
+  </p:cSld>
+  <p:clrMapOvr>
+    <a:masterClrMapping/>
+  </p:clrMapOvr>
+</p:notes>
+</file>
+
+<file path=ppt/notesSlides/notesSlide5.xml><?xml version="1.0" encoding="utf-8"?>
+<p:notes xmlns:a="http://schemas.openxmlformats.org/drawingml/2006/main" xmlns:r="http://schemas.openxmlformats.org/officeDocument/2006/relationships" xmlns:p="http://schemas.openxmlformats.org/presentationml/2006/main">
+  <p:cSld>
+    <p:spTree>
+      <p:nvGrpSpPr>
+        <p:cNvPr id="1" name=""/>
+        <p:cNvGrpSpPr/>
+        <p:nvPr/>
+      </p:nvGrpSpPr>
+      <p:grpSpPr>
+        <a:xfrm>
+          <a:off x="0" y="0"/>
+          <a:ext cx="0" cy="0"/>
+          <a:chOff x="0" y="0"/>
+          <a:chExt cx="0" cy="0"/>
+        </a:xfrm>
+      </p:grpSpPr>
+      <p:sp>
+        <p:nvSpPr>
+          <p:cNvPr id="2" name="Slide Image Placeholder 1"/>
+          <p:cNvSpPr>
+            <a:spLocks noGrp="1" noRot="1" noChangeAspect="1"/>
+          </p:cNvSpPr>
+          <p:nvPr>
+            <p:ph type="sldImg"/>
+          </p:nvPr>
+        </p:nvSpPr>
+        <p:spPr/>
+      </p:sp>
+      <p:sp>
+        <p:nvSpPr>
+          <p:cNvPr id="3" name="Notes Placeholder 2"/>
+          <p:cNvSpPr>
+            <a:spLocks noGrp="1"/>
+          </p:cNvSpPr>
+          <p:nvPr>
+            <p:ph type="body" idx="1"/>
+          </p:nvPr>
+        </p:nvSpPr>
+        <p:spPr/>
+        <p:txBody>
+          <a:bodyPr/>
+          <a:lstStyle/>
+          <a:p>
+            <a:r>
+              <a:rPr lang="en-US" dirty="0" smtClean="0"/>
+              <a:t>Based</a:t>
+            </a:r>
+            <a:r>
+              <a:rPr lang="en-US" baseline="0" dirty="0" smtClean="0"/>
+              <a:t> on the team’s initial assessment of the SGW’s existing databases, only six tables were originally defined as shown here with one-to-many relationship.  The rest of the tables in the databases were defined without references or relationships.</a:t>
+            </a:r>
+            <a:endParaRPr lang="en-US" dirty="0"/>
+          </a:p>
+        </p:txBody>
+      </p:sp>
+      <p:sp>
+        <p:nvSpPr>
+          <p:cNvPr id="4" name="Slide Number Placeholder 3"/>
+          <p:cNvSpPr>
+            <a:spLocks noGrp="1"/>
+          </p:cNvSpPr>
+          <p:nvPr>
+            <p:ph type="sldNum" sz="quarter" idx="10"/>
+          </p:nvPr>
+        </p:nvSpPr>
+        <p:spPr/>
+        <p:txBody>
+          <a:bodyPr/>
+          <a:lstStyle/>
+          <a:p>
+            <a:fld id="{EC08C6C5-DD63-4A3D-AD22-7D6D36F6A3FB}" type="slidenum">
+              <a:rPr lang="en-US" smtClean="0"/>
+              <a:t>8</a:t>
+            </a:fld>
+            <a:endParaRPr lang="en-US" dirty="0"/>
+          </a:p>
+        </p:txBody>
+      </p:sp>
+    </p:spTree>
+    <p:extLst>
+      <p:ext uri="{BB962C8B-B14F-4D97-AF65-F5344CB8AC3E}">
+        <p14:creationId xmlns:p14="http://schemas.microsoft.com/office/powerpoint/2010/main" val="502692179"/>
+      </p:ext>
+    </p:extLst>
+  </p:cSld>
+  <p:clrMapOvr>
+    <a:masterClrMapping/>
+  </p:clrMapOvr>
+</p:notes>
+</file>
+
+<file path=ppt/notesSlides/notesSlide6.xml><?xml version="1.0" encoding="utf-8"?>
+<p:notes xmlns:a="http://schemas.openxmlformats.org/drawingml/2006/main" xmlns:r="http://schemas.openxmlformats.org/officeDocument/2006/relationships" xmlns:p="http://schemas.openxmlformats.org/presentationml/2006/main">
+  <p:cSld>
+    <p:spTree>
+      <p:nvGrpSpPr>
+        <p:cNvPr id="1" name=""/>
+        <p:cNvGrpSpPr/>
+        <p:nvPr/>
+      </p:nvGrpSpPr>
+      <p:grpSpPr>
+        <a:xfrm>
+          <a:off x="0" y="0"/>
+          <a:ext cx="0" cy="0"/>
+          <a:chOff x="0" y="0"/>
+          <a:chExt cx="0" cy="0"/>
+        </a:xfrm>
+      </p:grpSpPr>
+      <p:sp>
+        <p:nvSpPr>
+          <p:cNvPr id="2" name="Slide Image Placeholder 1"/>
+          <p:cNvSpPr>
+            <a:spLocks noGrp="1" noRot="1" noChangeAspect="1"/>
+          </p:cNvSpPr>
+          <p:nvPr>
+            <p:ph type="sldImg"/>
+          </p:nvPr>
+        </p:nvSpPr>
+        <p:spPr/>
+      </p:sp>
+      <p:sp>
+        <p:nvSpPr>
+          <p:cNvPr id="3" name="Notes Placeholder 2"/>
+          <p:cNvSpPr>
+            <a:spLocks noGrp="1"/>
+          </p:cNvSpPr>
+          <p:nvPr>
+            <p:ph type="body" idx="1"/>
+          </p:nvPr>
+        </p:nvSpPr>
+        <p:spPr/>
+        <p:txBody>
+          <a:bodyPr/>
+          <a:lstStyle/>
+          <a:p>
+            <a:r>
+              <a:rPr lang="en-US" dirty="0" smtClean="0"/>
+              <a:t>This data model is based on the proposed user/system requirements.  The “admin” and “projects” tables</a:t>
+            </a:r>
+            <a:r>
+              <a:rPr lang="en-US" baseline="0" dirty="0" smtClean="0"/>
+              <a:t> are added and related to the “volunteer_hours” table with one-to-many relationship as shown here.  In the “volunteer_hours” table, two attributes (approvalStatus and approvedBy) are also added for Admin validation of volunteer data.</a:t>
+            </a:r>
+            <a:endParaRPr lang="en-US" dirty="0"/>
+          </a:p>
+        </p:txBody>
+      </p:sp>
+      <p:sp>
+        <p:nvSpPr>
+          <p:cNvPr id="4" name="Slide Number Placeholder 3"/>
+          <p:cNvSpPr>
+            <a:spLocks noGrp="1"/>
+          </p:cNvSpPr>
+          <p:nvPr>
+            <p:ph type="sldNum" sz="quarter" idx="10"/>
+          </p:nvPr>
+        </p:nvSpPr>
+        <p:spPr/>
+        <p:txBody>
+          <a:bodyPr/>
+          <a:lstStyle/>
+          <a:p>
+            <a:fld id="{EC08C6C5-DD63-4A3D-AD22-7D6D36F6A3FB}" type="slidenum">
+              <a:rPr lang="en-US" smtClean="0"/>
+              <a:t>9</a:t>
+            </a:fld>
+            <a:endParaRPr lang="en-US" dirty="0"/>
+          </a:p>
+        </p:txBody>
+      </p:sp>
+    </p:spTree>
+    <p:extLst>
+      <p:ext uri="{BB962C8B-B14F-4D97-AF65-F5344CB8AC3E}">
+        <p14:creationId xmlns:p14="http://schemas.microsoft.com/office/powerpoint/2010/main" val="2126180117"/>
+      </p:ext>
+    </p:extLst>
+  </p:cSld>
+  <p:clrMapOvr>
+    <a:masterClrMapping/>
+  </p:clrMapOvr>
+</p:notes>
+</file>
+
 <file path=ppt/slideLayouts/slideLayout1.xml><?xml version="1.0" encoding="utf-8"?>
 <p:sldLayout xmlns:a="http://schemas.openxmlformats.org/drawingml/2006/main" xmlns:r="http://schemas.openxmlformats.org/officeDocument/2006/relationships" xmlns:p="http://schemas.openxmlformats.org/presentationml/2006/main" type="title" preserve="1">
   <p:cSld name="Title Slide">
@@ -301,7 +1206,7 @@
           <a:p>
             <a:fld id="{14973A1A-3B12-4F13-9E45-4B4F2CF06D13}" type="datetimeFigureOut">
               <a:rPr lang="en-US" smtClean="0"/>
-              <a:t>10/10/2017</a:t>
+              <a:t>10/11/2017</a:t>
             </a:fld>
             <a:endParaRPr lang="en-US" dirty="0"/>
           </a:p>
@@ -512,7 +1417,7 @@
           <a:p>
             <a:fld id="{14973A1A-3B12-4F13-9E45-4B4F2CF06D13}" type="datetimeFigureOut">
               <a:rPr lang="en-US" smtClean="0"/>
-              <a:t>10/10/2017</a:t>
+              <a:t>10/11/2017</a:t>
             </a:fld>
             <a:endParaRPr lang="en-US" dirty="0"/>
           </a:p>
@@ -692,7 +1597,7 @@
           <a:p>
             <a:fld id="{14973A1A-3B12-4F13-9E45-4B4F2CF06D13}" type="datetimeFigureOut">
               <a:rPr lang="en-US" smtClean="0"/>
-              <a:t>10/10/2017</a:t>
+              <a:t>10/11/2017</a:t>
             </a:fld>
             <a:endParaRPr lang="en-US" dirty="0"/>
           </a:p>
@@ -862,7 +1767,7 @@
           <a:p>
             <a:fld id="{14973A1A-3B12-4F13-9E45-4B4F2CF06D13}" type="datetimeFigureOut">
               <a:rPr lang="en-US" smtClean="0"/>
-              <a:t>10/10/2017</a:t>
+              <a:t>10/11/2017</a:t>
             </a:fld>
             <a:endParaRPr lang="en-US" dirty="0"/>
           </a:p>
@@ -1149,7 +2054,7 @@
           <a:p>
             <a:fld id="{14973A1A-3B12-4F13-9E45-4B4F2CF06D13}" type="datetimeFigureOut">
               <a:rPr lang="en-US" smtClean="0"/>
-              <a:t>10/10/2017</a:t>
+              <a:t>10/11/2017</a:t>
             </a:fld>
             <a:endParaRPr lang="en-US" dirty="0"/>
           </a:p>
@@ -1437,7 +2342,7 @@
           <a:p>
             <a:fld id="{14973A1A-3B12-4F13-9E45-4B4F2CF06D13}" type="datetimeFigureOut">
               <a:rPr lang="en-US" smtClean="0"/>
-              <a:t>10/10/2017</a:t>
+              <a:t>10/11/2017</a:t>
             </a:fld>
             <a:endParaRPr lang="en-US" dirty="0"/>
           </a:p>
@@ -1859,7 +2764,7 @@
           <a:p>
             <a:fld id="{14973A1A-3B12-4F13-9E45-4B4F2CF06D13}" type="datetimeFigureOut">
               <a:rPr lang="en-US" smtClean="0"/>
-              <a:t>10/10/2017</a:t>
+              <a:t>10/11/2017</a:t>
             </a:fld>
             <a:endParaRPr lang="en-US" dirty="0"/>
           </a:p>
@@ -1977,7 +2882,7 @@
           <a:p>
             <a:fld id="{14973A1A-3B12-4F13-9E45-4B4F2CF06D13}" type="datetimeFigureOut">
               <a:rPr lang="en-US" smtClean="0"/>
-              <a:t>10/10/2017</a:t>
+              <a:t>10/11/2017</a:t>
             </a:fld>
             <a:endParaRPr lang="en-US" dirty="0"/>
           </a:p>
@@ -2072,7 +2977,7 @@
           <a:p>
             <a:fld id="{14973A1A-3B12-4F13-9E45-4B4F2CF06D13}" type="datetimeFigureOut">
               <a:rPr lang="en-US" smtClean="0"/>
-              <a:t>10/10/2017</a:t>
+              <a:t>10/11/2017</a:t>
             </a:fld>
             <a:endParaRPr lang="en-US" dirty="0"/>
           </a:p>
@@ -2349,7 +3254,7 @@
           <a:p>
             <a:fld id="{14973A1A-3B12-4F13-9E45-4B4F2CF06D13}" type="datetimeFigureOut">
               <a:rPr lang="en-US" smtClean="0"/>
-              <a:t>10/10/2017</a:t>
+              <a:t>10/11/2017</a:t>
             </a:fld>
             <a:endParaRPr lang="en-US" dirty="0"/>
           </a:p>
@@ -2602,7 +3507,7 @@
           <a:p>
             <a:fld id="{14973A1A-3B12-4F13-9E45-4B4F2CF06D13}" type="datetimeFigureOut">
               <a:rPr lang="en-US" smtClean="0"/>
-              <a:t>10/10/2017</a:t>
+              <a:t>10/11/2017</a:t>
             </a:fld>
             <a:endParaRPr lang="en-US" dirty="0"/>
           </a:p>
@@ -2825,7 +3730,7 @@
           <a:p>
             <a:fld id="{14973A1A-3B12-4F13-9E45-4B4F2CF06D13}" type="datetimeFigureOut">
               <a:rPr lang="en-US" smtClean="0"/>
-              <a:t>10/10/2017</a:t>
+              <a:t>10/11/2017</a:t>
             </a:fld>
             <a:endParaRPr lang="en-US" dirty="0"/>
           </a:p>
@@ -4002,15 +4907,26 @@
             </a:r>
           </a:p>
           <a:p>
+            <a:pPr lvl="1"/>
             <a:r>
               <a:rPr lang="en-US" dirty="0" smtClean="0"/>
-              <a:t>Continue building the website prototype</a:t>
+              <a:t>Email request for written feedback/response to 15 questions</a:t>
             </a:r>
           </a:p>
           <a:p>
             <a:r>
               <a:rPr lang="en-US" dirty="0" smtClean="0"/>
-              <a:t>Refine logical models based on discussion with client</a:t>
+              <a:t>Update logical models based on discussion with client</a:t>
+            </a:r>
+          </a:p>
+          <a:p>
+            <a:r>
+              <a:rPr lang="en-US" dirty="0"/>
+              <a:t>Continue building the website </a:t>
+            </a:r>
+            <a:r>
+              <a:rPr lang="en-US" dirty="0" smtClean="0"/>
+              <a:t>prototype</a:t>
             </a:r>
             <a:endParaRPr lang="en-US" dirty="0"/>
           </a:p>
@@ -4817,7 +5733,15 @@
             </a:pPr>
             <a:r>
               <a:rPr lang="en-US" dirty="0" smtClean="0"/>
-              <a:t>Completed Systems Analysis</a:t>
+              <a:t>Completed systems </a:t>
+            </a:r>
+            <a:r>
+              <a:rPr lang="en-US" dirty="0"/>
+              <a:t>a</a:t>
+            </a:r>
+            <a:r>
+              <a:rPr lang="en-US" dirty="0" smtClean="0"/>
+              <a:t>nalysis of the website</a:t>
             </a:r>
           </a:p>
           <a:p>
@@ -4901,7 +5825,7 @@
             </a:pPr>
             <a:r>
               <a:rPr lang="en-US" dirty="0" smtClean="0"/>
-              <a:t>Began developing a Project Charter</a:t>
+              <a:t>Began developing the Project Charter</a:t>
             </a:r>
           </a:p>
           <a:p>
@@ -4970,8 +5894,8 @@
         </p:nvSpPr>
         <p:spPr>
           <a:xfrm>
-            <a:off x="4191000" y="304800"/>
-            <a:ext cx="3962400" cy="1143000"/>
+            <a:off x="5410200" y="152400"/>
+            <a:ext cx="2819400" cy="1676400"/>
           </a:xfrm>
         </p:spPr>
         <p:txBody>
@@ -4981,21 +5905,23 @@
           <a:lstStyle/>
           <a:p>
             <a:r>
-              <a:rPr lang="en-US" sz="3700" b="1" dirty="0" smtClean="0"/>
+              <a:rPr lang="en-US" sz="3800" b="1" dirty="0" smtClean="0"/>
               <a:t>Friends Volunteer Use Cases</a:t>
             </a:r>
-            <a:endParaRPr lang="en-US" sz="3700" b="1" dirty="0"/>
+            <a:endParaRPr lang="en-US" sz="3800" b="1" dirty="0"/>
           </a:p>
         </p:txBody>
       </p:sp>
       <p:pic>
         <p:nvPicPr>
-          <p:cNvPr id="4" name="Picture 3"/>
-          <p:cNvPicPr/>
+          <p:cNvPr id="5" name="Picture 4"/>
+          <p:cNvPicPr>
+            <a:picLocks noChangeAspect="1"/>
+          </p:cNvPicPr>
           <p:nvPr/>
         </p:nvPicPr>
         <p:blipFill>
-          <a:blip r:embed="rId2">
+          <a:blip r:embed="rId3">
             <a:extLst>
               <a:ext uri="{28A0092B-C50C-407E-A947-70E740481C1C}">
                 <a14:useLocalDpi xmlns:a14="http://schemas.microsoft.com/office/drawing/2010/main" val="0"/>
@@ -5008,8 +5934,8 @@
         </p:blipFill>
         <p:spPr>
           <a:xfrm>
-            <a:off x="76200" y="108045"/>
-            <a:ext cx="4267200" cy="6673755"/>
+            <a:off x="76200" y="66061"/>
+            <a:ext cx="5638800" cy="6715739"/>
           </a:xfrm>
           <a:prstGeom prst="rect">
             <a:avLst/>
@@ -5092,7 +6018,7 @@
           <p:nvPr/>
         </p:nvPicPr>
         <p:blipFill>
-          <a:blip r:embed="rId2">
+          <a:blip r:embed="rId3">
             <a:extLst>
               <a:ext uri="{28A0092B-C50C-407E-A947-70E740481C1C}">
                 <a14:useLocalDpi xmlns:a14="http://schemas.microsoft.com/office/drawing/2010/main" val="0"/>
@@ -5187,11 +6113,13 @@
         <p:spPr>
           <a:xfrm>
             <a:off x="457200" y="0"/>
-            <a:ext cx="7543800" cy="868362"/>
+            <a:ext cx="7543800" cy="685800"/>
           </a:xfrm>
         </p:spPr>
         <p:txBody>
-          <a:bodyPr/>
+          <a:bodyPr>
+            <a:normAutofit fontScale="90000"/>
+          </a:bodyPr>
           <a:lstStyle/>
           <a:p>
             <a:r>
@@ -5211,7 +6139,7 @@
           <p:nvPr/>
         </p:nvPicPr>
         <p:blipFill>
-          <a:blip r:embed="rId2">
+          <a:blip r:embed="rId3">
             <a:extLst>
               <a:ext uri="{28A0092B-C50C-407E-A947-70E740481C1C}">
                 <a14:useLocalDpi xmlns:a14="http://schemas.microsoft.com/office/drawing/2010/main" val="0"/>
@@ -5225,7 +6153,7 @@
         </p:blipFill>
         <p:spPr bwMode="auto">
           <a:xfrm>
-            <a:off x="76200" y="723078"/>
+            <a:off x="76200" y="685800"/>
             <a:ext cx="7772400" cy="6134922"/>
           </a:xfrm>
           <a:prstGeom prst="rect">
@@ -5303,46 +6231,80 @@
             <p:ph type="title"/>
           </p:nvPr>
         </p:nvSpPr>
-        <p:spPr/>
-        <p:txBody>
-          <a:bodyPr/>
-          <a:lstStyle/>
-          <a:p>
-            <a:r>
-              <a:rPr lang="en-US" b="1" dirty="0" smtClean="0"/>
+        <p:spPr>
+          <a:xfrm>
+            <a:off x="457200" y="24912"/>
+            <a:ext cx="8229600" cy="508488"/>
+          </a:xfrm>
+        </p:spPr>
+        <p:txBody>
+          <a:bodyPr>
+            <a:noAutofit/>
+          </a:bodyPr>
+          <a:lstStyle/>
+          <a:p>
+            <a:r>
+              <a:rPr lang="en-US" sz="4000" b="1" dirty="0" smtClean="0"/>
               <a:t>Admin Workflow</a:t>
             </a:r>
-            <a:endParaRPr lang="en-US" dirty="0"/>
-          </a:p>
-        </p:txBody>
-      </p:sp>
-      <p:sp>
-        <p:nvSpPr>
-          <p:cNvPr id="3" name="Content Placeholder 2"/>
-          <p:cNvSpPr>
-            <a:spLocks noGrp="1"/>
-          </p:cNvSpPr>
-          <p:nvPr>
-            <p:ph idx="1"/>
-          </p:nvPr>
-        </p:nvSpPr>
-        <p:spPr/>
-        <p:txBody>
-          <a:bodyPr/>
-          <a:lstStyle/>
-          <a:p>
-            <a:r>
-              <a:rPr lang="en-US" dirty="0" smtClean="0"/>
-              <a:t>Workflow w</a:t>
-            </a:r>
-            <a:r>
-              <a:rPr lang="en-US" dirty="0" smtClean="0"/>
-              <a:t>ill be provided later……</a:t>
-            </a:r>
-            <a:endParaRPr lang="en-US" dirty="0"/>
-          </a:p>
-        </p:txBody>
-      </p:sp>
+            <a:endParaRPr lang="en-US" sz="4000" dirty="0"/>
+          </a:p>
+        </p:txBody>
+      </p:sp>
+      <p:pic>
+        <p:nvPicPr>
+          <p:cNvPr id="1027" name="Picture 3"/>
+          <p:cNvPicPr>
+            <a:picLocks noChangeAspect="1" noChangeArrowheads="1"/>
+          </p:cNvPicPr>
+          <p:nvPr/>
+        </p:nvPicPr>
+        <p:blipFill>
+          <a:blip r:embed="rId3">
+            <a:extLst>
+              <a:ext uri="{28A0092B-C50C-407E-A947-70E740481C1C}">
+                <a14:useLocalDpi xmlns:a14="http://schemas.microsoft.com/office/drawing/2010/main" val="0"/>
+              </a:ext>
+            </a:extLst>
+          </a:blip>
+          <a:srcRect/>
+          <a:stretch>
+            <a:fillRect/>
+          </a:stretch>
+        </p:blipFill>
+        <p:spPr bwMode="auto">
+          <a:xfrm>
+            <a:off x="152400" y="510508"/>
+            <a:ext cx="7620000" cy="6287306"/>
+          </a:xfrm>
+          <a:prstGeom prst="rect">
+            <a:avLst/>
+          </a:prstGeom>
+          <a:noFill/>
+          <a:ln>
+            <a:noFill/>
+          </a:ln>
+          <a:extLst>
+            <a:ext uri="{909E8E84-426E-40DD-AFC4-6F175D3DCCD1}">
+              <a14:hiddenFill xmlns:a14="http://schemas.microsoft.com/office/drawing/2010/main">
+                <a:solidFill>
+                  <a:schemeClr val="accent1"/>
+                </a:solidFill>
+              </a14:hiddenFill>
+            </a:ext>
+            <a:ext uri="{91240B29-F687-4F45-9708-019B960494DF}">
+              <a14:hiddenLine xmlns:a14="http://schemas.microsoft.com/office/drawing/2010/main" w="9525">
+                <a:solidFill>
+                  <a:schemeClr val="tx1"/>
+                </a:solidFill>
+                <a:miter lim="800000"/>
+                <a:headEnd/>
+                <a:tailEnd/>
+              </a14:hiddenLine>
+            </a:ext>
+          </a:extLst>
+        </p:spPr>
+      </p:pic>
     </p:spTree>
     <p:extLst>
       <p:ext uri="{BB962C8B-B14F-4D97-AF65-F5344CB8AC3E}">
@@ -5417,7 +6379,7 @@
           <p:nvPr/>
         </p:nvPicPr>
         <p:blipFill>
-          <a:blip r:embed="rId2">
+          <a:blip r:embed="rId3">
             <a:extLst>
               <a:ext uri="{28A0092B-C50C-407E-A947-70E740481C1C}">
                 <a14:useLocalDpi xmlns:a14="http://schemas.microsoft.com/office/drawing/2010/main" val="0"/>
@@ -5531,7 +6493,7 @@
           <p:nvPr/>
         </p:nvPicPr>
         <p:blipFill>
-          <a:blip r:embed="rId2">
+          <a:blip r:embed="rId3">
             <a:extLst>
               <a:ext uri="{28A0092B-C50C-407E-A947-70E740481C1C}">
                 <a14:useLocalDpi xmlns:a14="http://schemas.microsoft.com/office/drawing/2010/main" val="0"/>
@@ -5879,4 +6841,289 @@
   <a:objectDefaults/>
   <a:extraClrSchemeLst/>
 </a:theme>
+</file>
+
+<file path=ppt/theme/theme2.xml><?xml version="1.0" encoding="utf-8"?>
+<a:theme xmlns:a="http://schemas.openxmlformats.org/drawingml/2006/main" name="Office Theme">
+  <a:themeElements>
+    <a:clrScheme name="Office">
+      <a:dk1>
+        <a:sysClr val="windowText" lastClr="000000"/>
+      </a:dk1>
+      <a:lt1>
+        <a:sysClr val="window" lastClr="FFFFFF"/>
+      </a:lt1>
+      <a:dk2>
+        <a:srgbClr val="1F497D"/>
+      </a:dk2>
+      <a:lt2>
+        <a:srgbClr val="EEECE1"/>
+      </a:lt2>
+      <a:accent1>
+        <a:srgbClr val="4F81BD"/>
+      </a:accent1>
+      <a:accent2>
+        <a:srgbClr val="C0504D"/>
+      </a:accent2>
+      <a:accent3>
+        <a:srgbClr val="9BBB59"/>
+      </a:accent3>
+      <a:accent4>
+        <a:srgbClr val="8064A2"/>
+      </a:accent4>
+      <a:accent5>
+        <a:srgbClr val="4BACC6"/>
+      </a:accent5>
+      <a:accent6>
+        <a:srgbClr val="F79646"/>
+      </a:accent6>
+      <a:hlink>
+        <a:srgbClr val="0000FF"/>
+      </a:hlink>
+      <a:folHlink>
+        <a:srgbClr val="800080"/>
+      </a:folHlink>
+    </a:clrScheme>
+    <a:fontScheme name="Office">
+      <a:majorFont>
+        <a:latin typeface="Calibri"/>
+        <a:ea typeface=""/>
+        <a:cs typeface=""/>
+        <a:font script="Jpan" typeface="ＭＳ Ｐゴシック"/>
+        <a:font script="Hang" typeface="맑은 고딕"/>
+        <a:font script="Hans" typeface="宋体"/>
+        <a:font script="Hant" typeface="新細明體"/>
+        <a:font script="Arab" typeface="Times New Roman"/>
+        <a:font script="Hebr" typeface="Times New Roman"/>
+        <a:font script="Thai" typeface="Angsana New"/>
+        <a:font script="Ethi" typeface="Nyala"/>
+        <a:font script="Beng" typeface="Vrinda"/>
+        <a:font script="Gujr" typeface="Shruti"/>
+        <a:font script="Khmr" typeface="MoolBoran"/>
+        <a:font script="Knda" typeface="Tunga"/>
+        <a:font script="Guru" typeface="Raavi"/>
+        <a:font script="Cans" typeface="Euphemia"/>
+        <a:font script="Cher" typeface="Plantagenet Cherokee"/>
+        <a:font script="Yiii" typeface="Microsoft Yi Baiti"/>
+        <a:font script="Tibt" typeface="Microsoft Himalaya"/>
+        <a:font script="Thaa" typeface="MV Boli"/>
+        <a:font script="Deva" typeface="Mangal"/>
+        <a:font script="Telu" typeface="Gautami"/>
+        <a:font script="Taml" typeface="Latha"/>
+        <a:font script="Syrc" typeface="Estrangelo Edessa"/>
+        <a:font script="Orya" typeface="Kalinga"/>
+        <a:font script="Mlym" typeface="Kartika"/>
+        <a:font script="Laoo" typeface="DokChampa"/>
+        <a:font script="Sinh" typeface="Iskoola Pota"/>
+        <a:font script="Mong" typeface="Mongolian Baiti"/>
+        <a:font script="Viet" typeface="Times New Roman"/>
+        <a:font script="Uigh" typeface="Microsoft Uighur"/>
+        <a:font script="Geor" typeface="Sylfaen"/>
+      </a:majorFont>
+      <a:minorFont>
+        <a:latin typeface="Calibri"/>
+        <a:ea typeface=""/>
+        <a:cs typeface=""/>
+        <a:font script="Jpan" typeface="ＭＳ Ｐゴシック"/>
+        <a:font script="Hang" typeface="맑은 고딕"/>
+        <a:font script="Hans" typeface="宋体"/>
+        <a:font script="Hant" typeface="新細明體"/>
+        <a:font script="Arab" typeface="Arial"/>
+        <a:font script="Hebr" typeface="Arial"/>
+        <a:font script="Thai" typeface="Cordia New"/>
+        <a:font script="Ethi" typeface="Nyala"/>
+        <a:font script="Beng" typeface="Vrinda"/>
+        <a:font script="Gujr" typeface="Shruti"/>
+        <a:font script="Khmr" typeface="DaunPenh"/>
+        <a:font script="Knda" typeface="Tunga"/>
+        <a:font script="Guru" typeface="Raavi"/>
+        <a:font script="Cans" typeface="Euphemia"/>
+        <a:font script="Cher" typeface="Plantagenet Cherokee"/>
+        <a:font script="Yiii" typeface="Microsoft Yi Baiti"/>
+        <a:font script="Tibt" typeface="Microsoft Himalaya"/>
+        <a:font script="Thaa" typeface="MV Boli"/>
+        <a:font script="Deva" typeface="Mangal"/>
+        <a:font script="Telu" typeface="Gautami"/>
+        <a:font script="Taml" typeface="Latha"/>
+        <a:font script="Syrc" typeface="Estrangelo Edessa"/>
+        <a:font script="Orya" typeface="Kalinga"/>
+        <a:font script="Mlym" typeface="Kartika"/>
+        <a:font script="Laoo" typeface="DokChampa"/>
+        <a:font script="Sinh" typeface="Iskoola Pota"/>
+        <a:font script="Mong" typeface="Mongolian Baiti"/>
+        <a:font script="Viet" typeface="Arial"/>
+        <a:font script="Uigh" typeface="Microsoft Uighur"/>
+        <a:font script="Geor" typeface="Sylfaen"/>
+      </a:minorFont>
+    </a:fontScheme>
+    <a:fmtScheme name="Office">
+      <a:fillStyleLst>
+        <a:solidFill>
+          <a:schemeClr val="phClr"/>
+        </a:solidFill>
+        <a:gradFill rotWithShape="1">
+          <a:gsLst>
+            <a:gs pos="0">
+              <a:schemeClr val="phClr">
+                <a:tint val="50000"/>
+                <a:satMod val="300000"/>
+              </a:schemeClr>
+            </a:gs>
+            <a:gs pos="35000">
+              <a:schemeClr val="phClr">
+                <a:tint val="37000"/>
+                <a:satMod val="300000"/>
+              </a:schemeClr>
+            </a:gs>
+            <a:gs pos="100000">
+              <a:schemeClr val="phClr">
+                <a:tint val="15000"/>
+                <a:satMod val="350000"/>
+              </a:schemeClr>
+            </a:gs>
+          </a:gsLst>
+          <a:lin ang="16200000" scaled="1"/>
+        </a:gradFill>
+        <a:gradFill rotWithShape="1">
+          <a:gsLst>
+            <a:gs pos="0">
+              <a:schemeClr val="phClr">
+                <a:shade val="51000"/>
+                <a:satMod val="130000"/>
+              </a:schemeClr>
+            </a:gs>
+            <a:gs pos="80000">
+              <a:schemeClr val="phClr">
+                <a:shade val="93000"/>
+                <a:satMod val="130000"/>
+              </a:schemeClr>
+            </a:gs>
+            <a:gs pos="100000">
+              <a:schemeClr val="phClr">
+                <a:shade val="94000"/>
+                <a:satMod val="135000"/>
+              </a:schemeClr>
+            </a:gs>
+          </a:gsLst>
+          <a:lin ang="16200000" scaled="0"/>
+        </a:gradFill>
+      </a:fillStyleLst>
+      <a:lnStyleLst>
+        <a:ln w="9525" cap="flat" cmpd="sng" algn="ctr">
+          <a:solidFill>
+            <a:schemeClr val="phClr">
+              <a:shade val="95000"/>
+              <a:satMod val="105000"/>
+            </a:schemeClr>
+          </a:solidFill>
+          <a:prstDash val="solid"/>
+        </a:ln>
+        <a:ln w="25400" cap="flat" cmpd="sng" algn="ctr">
+          <a:solidFill>
+            <a:schemeClr val="phClr"/>
+          </a:solidFill>
+          <a:prstDash val="solid"/>
+        </a:ln>
+        <a:ln w="38100" cap="flat" cmpd="sng" algn="ctr">
+          <a:solidFill>
+            <a:schemeClr val="phClr"/>
+          </a:solidFill>
+          <a:prstDash val="solid"/>
+        </a:ln>
+      </a:lnStyleLst>
+      <a:effectStyleLst>
+        <a:effectStyle>
+          <a:effectLst>
+            <a:outerShdw blurRad="40000" dist="20000" dir="5400000" rotWithShape="0">
+              <a:srgbClr val="000000">
+                <a:alpha val="38000"/>
+              </a:srgbClr>
+            </a:outerShdw>
+          </a:effectLst>
+        </a:effectStyle>
+        <a:effectStyle>
+          <a:effectLst>
+            <a:outerShdw blurRad="40000" dist="23000" dir="5400000" rotWithShape="0">
+              <a:srgbClr val="000000">
+                <a:alpha val="35000"/>
+              </a:srgbClr>
+            </a:outerShdw>
+          </a:effectLst>
+        </a:effectStyle>
+        <a:effectStyle>
+          <a:effectLst>
+            <a:outerShdw blurRad="40000" dist="23000" dir="5400000" rotWithShape="0">
+              <a:srgbClr val="000000">
+                <a:alpha val="35000"/>
+              </a:srgbClr>
+            </a:outerShdw>
+          </a:effectLst>
+          <a:scene3d>
+            <a:camera prst="orthographicFront">
+              <a:rot lat="0" lon="0" rev="0"/>
+            </a:camera>
+            <a:lightRig rig="threePt" dir="t">
+              <a:rot lat="0" lon="0" rev="1200000"/>
+            </a:lightRig>
+          </a:scene3d>
+          <a:sp3d>
+            <a:bevelT w="63500" h="25400"/>
+          </a:sp3d>
+        </a:effectStyle>
+      </a:effectStyleLst>
+      <a:bgFillStyleLst>
+        <a:solidFill>
+          <a:schemeClr val="phClr"/>
+        </a:solidFill>
+        <a:gradFill rotWithShape="1">
+          <a:gsLst>
+            <a:gs pos="0">
+              <a:schemeClr val="phClr">
+                <a:tint val="40000"/>
+                <a:satMod val="350000"/>
+              </a:schemeClr>
+            </a:gs>
+            <a:gs pos="40000">
+              <a:schemeClr val="phClr">
+                <a:tint val="45000"/>
+                <a:shade val="99000"/>
+                <a:satMod val="350000"/>
+              </a:schemeClr>
+            </a:gs>
+            <a:gs pos="100000">
+              <a:schemeClr val="phClr">
+                <a:shade val="20000"/>
+                <a:satMod val="255000"/>
+              </a:schemeClr>
+            </a:gs>
+          </a:gsLst>
+          <a:path path="circle">
+            <a:fillToRect l="50000" t="-80000" r="50000" b="180000"/>
+          </a:path>
+        </a:gradFill>
+        <a:gradFill rotWithShape="1">
+          <a:gsLst>
+            <a:gs pos="0">
+              <a:schemeClr val="phClr">
+                <a:tint val="80000"/>
+                <a:satMod val="300000"/>
+              </a:schemeClr>
+            </a:gs>
+            <a:gs pos="100000">
+              <a:schemeClr val="phClr">
+                <a:shade val="30000"/>
+                <a:satMod val="200000"/>
+              </a:schemeClr>
+            </a:gs>
+          </a:gsLst>
+          <a:path path="circle">
+            <a:fillToRect l="50000" t="50000" r="50000" b="50000"/>
+          </a:path>
+        </a:gradFill>
+      </a:bgFillStyleLst>
+    </a:fmtScheme>
+  </a:themeElements>
+  <a:objectDefaults/>
+  <a:extraClrSchemeLst/>
+</a:theme>
 </file>
--- a/SGW Project Update 11Oct17.pptx
+++ b/SGW Project Update 11Oct17.pptx
@@ -5281,7 +5281,7 @@
       </p:sp>
       <p:pic>
         <p:nvPicPr>
-          <p:cNvPr id="4099" name="Picture 3"/>
+          <p:cNvPr id="4100" name="Picture 4"/>
           <p:cNvPicPr>
             <a:picLocks noChangeAspect="1" noChangeArrowheads="1"/>
           </p:cNvPicPr>
@@ -5302,8 +5302,8 @@
         </p:blipFill>
         <p:spPr bwMode="auto">
           <a:xfrm>
-            <a:off x="43218" y="2438400"/>
-            <a:ext cx="4567239" cy="4267201"/>
+            <a:off x="4876800" y="2017184"/>
+            <a:ext cx="4191000" cy="4688417"/>
           </a:xfrm>
           <a:prstGeom prst="rect">
             <a:avLst/>
@@ -5335,7 +5335,7 @@
       </p:pic>
       <p:pic>
         <p:nvPicPr>
-          <p:cNvPr id="4100" name="Picture 4"/>
+          <p:cNvPr id="2051" name="Picture 3"/>
           <p:cNvPicPr>
             <a:picLocks noChangeAspect="1" noChangeArrowheads="1"/>
           </p:cNvPicPr>
@@ -5356,8 +5356,8 @@
         </p:blipFill>
         <p:spPr bwMode="auto">
           <a:xfrm>
-            <a:off x="4876800" y="2017184"/>
-            <a:ext cx="4191000" cy="4688417"/>
+            <a:off x="76200" y="2438399"/>
+            <a:ext cx="4563534" cy="4267201"/>
           </a:xfrm>
           <a:prstGeom prst="rect">
             <a:avLst/>
@@ -5476,7 +5476,7 @@
       </p:sp>
       <p:pic>
         <p:nvPicPr>
-          <p:cNvPr id="2051" name="Picture 3"/>
+          <p:cNvPr id="7" name="Picture 3"/>
           <p:cNvPicPr>
             <a:picLocks noChangeAspect="1" noChangeArrowheads="1"/>
           </p:cNvPicPr>

--- a/SGW Project Update 11Oct17.pptx
+++ b/SGW Project Update 11Oct17.pptx
@@ -6233,7 +6233,7 @@
         </p:nvSpPr>
         <p:spPr>
           <a:xfrm>
-            <a:off x="457200" y="24912"/>
+            <a:off x="457200" y="101112"/>
             <a:ext cx="8229600" cy="508488"/>
           </a:xfrm>
         </p:spPr>
@@ -6253,7 +6253,7 @@
       </p:sp>
       <p:pic>
         <p:nvPicPr>
-          <p:cNvPr id="1027" name="Picture 3"/>
+          <p:cNvPr id="1026" name="Picture 2"/>
           <p:cNvPicPr>
             <a:picLocks noChangeAspect="1" noChangeArrowheads="1"/>
           </p:cNvPicPr>
@@ -6274,8 +6274,8 @@
         </p:blipFill>
         <p:spPr bwMode="auto">
           <a:xfrm>
-            <a:off x="152400" y="510508"/>
-            <a:ext cx="7620000" cy="6287306"/>
+            <a:off x="76200" y="685801"/>
+            <a:ext cx="8181975" cy="6096000"/>
           </a:xfrm>
           <a:prstGeom prst="rect">
             <a:avLst/>
